--- a/BIS 15L Final Presentation.pptx
+++ b/BIS 15L Final Presentation.pptx
@@ -4,6 +4,9 @@
   <p:sldMasterIdLst>
     <p:sldMasterId id="2147483690" r:id="rId1"/>
   </p:sldMasterIdLst>
+  <p:notesMasterIdLst>
+    <p:notesMasterId r:id="rId19"/>
+  </p:notesMasterIdLst>
   <p:sldIdLst>
     <p:sldId id="256" r:id="rId2"/>
     <p:sldId id="265" r:id="rId3"/>
@@ -139,6 +142,7 @@
 <p1510:revInfo xmlns:a="http://schemas.openxmlformats.org/drawingml/2006/main" xmlns:r="http://schemas.openxmlformats.org/officeDocument/2006/relationships" xmlns:p1510="http://schemas.microsoft.com/office/powerpoint/2015/10/main">
   <p1510:revLst>
     <p1510:client id="{CA37536B-84D3-449A-B100-F9A63B6BF49A}" v="736" dt="2023-03-16T05:05:43.309"/>
+    <p1510:client id="{DACE32D3-78AF-427E-9975-616F14980093}" v="1" dt="2023-03-16T07:38:37.967"/>
     <p1510:client id="{EFE3592B-9646-D847-88C1-BCB5C3675698}" v="101" dt="2023-03-16T04:57:17.521"/>
     <p1510:client id="{F19D4270-98E0-184F-BE58-AAC1B0BBC7F7}" v="80" dt="2023-03-16T04:03:54.670"/>
   </p1510:revLst>
@@ -147,419 +151,6 @@
 
 <file path=ppt/changesInfos/changesInfo1.xml><?xml version="1.0" encoding="utf-8"?>
 <pc:chgInfo xmlns:a="http://schemas.openxmlformats.org/drawingml/2006/main" xmlns:r="http://schemas.openxmlformats.org/officeDocument/2006/relationships" xmlns:ac="http://schemas.microsoft.com/office/drawing/2013/main/command" xmlns:pc="http://schemas.microsoft.com/office/powerpoint/2013/main/command">
-  <pc:docChgLst>
-    <pc:chgData name="Tony Tao" userId="0fa6232b-86bb-4197-acae-ee2889051794" providerId="ADAL" clId="{F19D4270-98E0-184F-BE58-AAC1B0BBC7F7}"/>
-    <pc:docChg chg="undo custSel addSld delSld modSld sldOrd">
-      <pc:chgData name="Tony Tao" userId="0fa6232b-86bb-4197-acae-ee2889051794" providerId="ADAL" clId="{F19D4270-98E0-184F-BE58-AAC1B0BBC7F7}" dt="2023-03-16T04:06:54.116" v="359" actId="680"/>
-      <pc:docMkLst>
-        <pc:docMk/>
-      </pc:docMkLst>
-      <pc:sldChg chg="modSp mod">
-        <pc:chgData name="Tony Tao" userId="0fa6232b-86bb-4197-acae-ee2889051794" providerId="ADAL" clId="{F19D4270-98E0-184F-BE58-AAC1B0BBC7F7}" dt="2023-03-07T21:50:54.605" v="47"/>
-        <pc:sldMkLst>
-          <pc:docMk/>
-          <pc:sldMk cId="1160606934" sldId="256"/>
-        </pc:sldMkLst>
-        <pc:spChg chg="mod">
-          <ac:chgData name="Tony Tao" userId="0fa6232b-86bb-4197-acae-ee2889051794" providerId="ADAL" clId="{F19D4270-98E0-184F-BE58-AAC1B0BBC7F7}" dt="2023-03-07T21:50:54.605" v="47"/>
-          <ac:spMkLst>
-            <pc:docMk/>
-            <pc:sldMk cId="1160606934" sldId="256"/>
-            <ac:spMk id="2" creationId="{E6255193-CBFD-383F-18ED-6B9D0FEA951A}"/>
-          </ac:spMkLst>
-        </pc:spChg>
-        <pc:spChg chg="mod">
-          <ac:chgData name="Tony Tao" userId="0fa6232b-86bb-4197-acae-ee2889051794" providerId="ADAL" clId="{F19D4270-98E0-184F-BE58-AAC1B0BBC7F7}" dt="2023-03-07T21:50:54.605" v="47"/>
-          <ac:spMkLst>
-            <pc:docMk/>
-            <pc:sldMk cId="1160606934" sldId="256"/>
-            <ac:spMk id="3" creationId="{DCA64520-4CD5-C248-C6AF-D40F03A9A6DD}"/>
-          </ac:spMkLst>
-        </pc:spChg>
-      </pc:sldChg>
-      <pc:sldChg chg="addSp delSp modSp new mod ord">
-        <pc:chgData name="Tony Tao" userId="0fa6232b-86bb-4197-acae-ee2889051794" providerId="ADAL" clId="{F19D4270-98E0-184F-BE58-AAC1B0BBC7F7}" dt="2023-03-16T04:03:51.161" v="353" actId="20577"/>
-        <pc:sldMkLst>
-          <pc:docMk/>
-          <pc:sldMk cId="1858174200" sldId="257"/>
-        </pc:sldMkLst>
-        <pc:spChg chg="del mod">
-          <ac:chgData name="Tony Tao" userId="0fa6232b-86bb-4197-acae-ee2889051794" providerId="ADAL" clId="{F19D4270-98E0-184F-BE58-AAC1B0BBC7F7}" dt="2023-03-15T23:52:39.454" v="119" actId="478"/>
-          <ac:spMkLst>
-            <pc:docMk/>
-            <pc:sldMk cId="1858174200" sldId="257"/>
-            <ac:spMk id="2" creationId="{ECC315D6-D988-250F-6189-A3919A3F85F8}"/>
-          </ac:spMkLst>
-        </pc:spChg>
-        <pc:spChg chg="del mod">
-          <ac:chgData name="Tony Tao" userId="0fa6232b-86bb-4197-acae-ee2889051794" providerId="ADAL" clId="{F19D4270-98E0-184F-BE58-AAC1B0BBC7F7}" dt="2023-03-15T23:52:41.877" v="120"/>
-          <ac:spMkLst>
-            <pc:docMk/>
-            <pc:sldMk cId="1858174200" sldId="257"/>
-            <ac:spMk id="3" creationId="{ED090E73-B423-AA9D-092C-0CDAF1991FAE}"/>
-          </ac:spMkLst>
-        </pc:spChg>
-        <pc:spChg chg="add mod">
-          <ac:chgData name="Tony Tao" userId="0fa6232b-86bb-4197-acae-ee2889051794" providerId="ADAL" clId="{F19D4270-98E0-184F-BE58-AAC1B0BBC7F7}" dt="2023-03-16T04:03:51.161" v="353" actId="20577"/>
-          <ac:spMkLst>
-            <pc:docMk/>
-            <pc:sldMk cId="1858174200" sldId="257"/>
-            <ac:spMk id="4" creationId="{9B25993A-80D8-788E-7B2C-017D1D572261}"/>
-          </ac:spMkLst>
-        </pc:spChg>
-        <pc:spChg chg="add del mod">
-          <ac:chgData name="Tony Tao" userId="0fa6232b-86bb-4197-acae-ee2889051794" providerId="ADAL" clId="{F19D4270-98E0-184F-BE58-AAC1B0BBC7F7}" dt="2023-03-15T23:58:34.223" v="161"/>
-          <ac:spMkLst>
-            <pc:docMk/>
-            <pc:sldMk cId="1858174200" sldId="257"/>
-            <ac:spMk id="8" creationId="{498A203B-5AC8-3373-4B28-C0D0B9DAB7EB}"/>
-          </ac:spMkLst>
-        </pc:spChg>
-        <pc:picChg chg="add del mod">
-          <ac:chgData name="Tony Tao" userId="0fa6232b-86bb-4197-acae-ee2889051794" providerId="ADAL" clId="{F19D4270-98E0-184F-BE58-AAC1B0BBC7F7}" dt="2023-03-15T23:55:46.296" v="160" actId="478"/>
-          <ac:picMkLst>
-            <pc:docMk/>
-            <pc:sldMk cId="1858174200" sldId="257"/>
-            <ac:picMk id="6" creationId="{EC0C6405-EF1F-BC2F-4001-6BABFBC85EBD}"/>
-          </ac:picMkLst>
-        </pc:picChg>
-        <pc:picChg chg="add mod">
-          <ac:chgData name="Tony Tao" userId="0fa6232b-86bb-4197-acae-ee2889051794" providerId="ADAL" clId="{F19D4270-98E0-184F-BE58-AAC1B0BBC7F7}" dt="2023-03-15T23:59:46.579" v="188" actId="1076"/>
-          <ac:picMkLst>
-            <pc:docMk/>
-            <pc:sldMk cId="1858174200" sldId="257"/>
-            <ac:picMk id="10" creationId="{934857FB-226C-7EDE-A940-FC6F76E2C59E}"/>
-          </ac:picMkLst>
-        </pc:picChg>
-      </pc:sldChg>
-      <pc:sldChg chg="addSp delSp modSp mod">
-        <pc:chgData name="Tony Tao" userId="0fa6232b-86bb-4197-acae-ee2889051794" providerId="ADAL" clId="{F19D4270-98E0-184F-BE58-AAC1B0BBC7F7}" dt="2023-03-16T04:03:54.671" v="357" actId="20577"/>
-        <pc:sldMkLst>
-          <pc:docMk/>
-          <pc:sldMk cId="1812169274" sldId="258"/>
-        </pc:sldMkLst>
-        <pc:spChg chg="del mod">
-          <ac:chgData name="Tony Tao" userId="0fa6232b-86bb-4197-acae-ee2889051794" providerId="ADAL" clId="{F19D4270-98E0-184F-BE58-AAC1B0BBC7F7}" dt="2023-03-15T23:54:50.001" v="151" actId="478"/>
-          <ac:spMkLst>
-            <pc:docMk/>
-            <pc:sldMk cId="1812169274" sldId="258"/>
-            <ac:spMk id="2" creationId="{642E09C4-373B-4533-224C-26A9632AA268}"/>
-          </ac:spMkLst>
-        </pc:spChg>
-        <pc:spChg chg="del mod">
-          <ac:chgData name="Tony Tao" userId="0fa6232b-86bb-4197-acae-ee2889051794" providerId="ADAL" clId="{F19D4270-98E0-184F-BE58-AAC1B0BBC7F7}" dt="2023-03-15T23:54:16.048" v="137"/>
-          <ac:spMkLst>
-            <pc:docMk/>
-            <pc:sldMk cId="1812169274" sldId="258"/>
-            <ac:spMk id="3" creationId="{5A990A6B-AC88-378B-F1D4-4BFCC9BA66B2}"/>
-          </ac:spMkLst>
-        </pc:spChg>
-        <pc:spChg chg="add mod">
-          <ac:chgData name="Tony Tao" userId="0fa6232b-86bb-4197-acae-ee2889051794" providerId="ADAL" clId="{F19D4270-98E0-184F-BE58-AAC1B0BBC7F7}" dt="2023-03-16T04:03:54.671" v="357" actId="20577"/>
-          <ac:spMkLst>
-            <pc:docMk/>
-            <pc:sldMk cId="1812169274" sldId="258"/>
-            <ac:spMk id="6" creationId="{1DED192F-A0F6-D99F-4088-56405FD6A148}"/>
-          </ac:spMkLst>
-        </pc:spChg>
-        <pc:picChg chg="add mod">
-          <ac:chgData name="Tony Tao" userId="0fa6232b-86bb-4197-acae-ee2889051794" providerId="ADAL" clId="{F19D4270-98E0-184F-BE58-AAC1B0BBC7F7}" dt="2023-03-15T23:54:59.785" v="154" actId="1076"/>
-          <ac:picMkLst>
-            <pc:docMk/>
-            <pc:sldMk cId="1812169274" sldId="258"/>
-            <ac:picMk id="5" creationId="{A91B5897-57E0-9247-991C-4EA8D69EC939}"/>
-          </ac:picMkLst>
-        </pc:picChg>
-      </pc:sldChg>
-      <pc:sldChg chg="addSp delSp modSp new mod">
-        <pc:chgData name="Tony Tao" userId="0fa6232b-86bb-4197-acae-ee2889051794" providerId="ADAL" clId="{F19D4270-98E0-184F-BE58-AAC1B0BBC7F7}" dt="2023-03-15T23:59:10.197" v="179" actId="1076"/>
-        <pc:sldMkLst>
-          <pc:docMk/>
-          <pc:sldMk cId="3946867115" sldId="259"/>
-        </pc:sldMkLst>
-        <pc:spChg chg="del">
-          <ac:chgData name="Tony Tao" userId="0fa6232b-86bb-4197-acae-ee2889051794" providerId="ADAL" clId="{F19D4270-98E0-184F-BE58-AAC1B0BBC7F7}" dt="2023-03-15T23:55:03.755" v="155" actId="478"/>
-          <ac:spMkLst>
-            <pc:docMk/>
-            <pc:sldMk cId="3946867115" sldId="259"/>
-            <ac:spMk id="2" creationId="{9D6408B1-C37B-0C60-2F4D-4B9AC6213E5F}"/>
-          </ac:spMkLst>
-        </pc:spChg>
-        <pc:spChg chg="del">
-          <ac:chgData name="Tony Tao" userId="0fa6232b-86bb-4197-acae-ee2889051794" providerId="ADAL" clId="{F19D4270-98E0-184F-BE58-AAC1B0BBC7F7}" dt="2023-03-15T23:54:20.292" v="139"/>
-          <ac:spMkLst>
-            <pc:docMk/>
-            <pc:sldMk cId="3946867115" sldId="259"/>
-            <ac:spMk id="3" creationId="{9709286D-82B9-5C09-5D19-E7B79F9F0D34}"/>
-          </ac:spMkLst>
-        </pc:spChg>
-        <pc:spChg chg="add mod">
-          <ac:chgData name="Tony Tao" userId="0fa6232b-86bb-4197-acae-ee2889051794" providerId="ADAL" clId="{F19D4270-98E0-184F-BE58-AAC1B0BBC7F7}" dt="2023-03-15T23:59:10.197" v="179" actId="1076"/>
-          <ac:spMkLst>
-            <pc:docMk/>
-            <pc:sldMk cId="3946867115" sldId="259"/>
-            <ac:spMk id="6" creationId="{AE0BB4D5-A71A-D712-8797-422FAF99FA13}"/>
-          </ac:spMkLst>
-        </pc:spChg>
-        <pc:picChg chg="add mod">
-          <ac:chgData name="Tony Tao" userId="0fa6232b-86bb-4197-acae-ee2889051794" providerId="ADAL" clId="{F19D4270-98E0-184F-BE58-AAC1B0BBC7F7}" dt="2023-03-15T23:55:17.703" v="159" actId="1076"/>
-          <ac:picMkLst>
-            <pc:docMk/>
-            <pc:sldMk cId="3946867115" sldId="259"/>
-            <ac:picMk id="5" creationId="{3799D0DA-1CE5-F401-9B5E-46308061475D}"/>
-          </ac:picMkLst>
-        </pc:picChg>
-      </pc:sldChg>
-      <pc:sldChg chg="addSp delSp modSp new mod ord">
-        <pc:chgData name="Tony Tao" userId="0fa6232b-86bb-4197-acae-ee2889051794" providerId="ADAL" clId="{F19D4270-98E0-184F-BE58-AAC1B0BBC7F7}" dt="2023-03-15T23:53:21.569" v="131" actId="1076"/>
-        <pc:sldMkLst>
-          <pc:docMk/>
-          <pc:sldMk cId="3479510512" sldId="260"/>
-        </pc:sldMkLst>
-        <pc:spChg chg="mod">
-          <ac:chgData name="Tony Tao" userId="0fa6232b-86bb-4197-acae-ee2889051794" providerId="ADAL" clId="{F19D4270-98E0-184F-BE58-AAC1B0BBC7F7}" dt="2023-03-15T23:52:29.834" v="117" actId="14100"/>
-          <ac:spMkLst>
-            <pc:docMk/>
-            <pc:sldMk cId="3479510512" sldId="260"/>
-            <ac:spMk id="2" creationId="{CC315C7F-2F7A-F076-58E0-9FC9C9C77F31}"/>
-          </ac:spMkLst>
-        </pc:spChg>
-        <pc:spChg chg="del">
-          <ac:chgData name="Tony Tao" userId="0fa6232b-86bb-4197-acae-ee2889051794" providerId="ADAL" clId="{F19D4270-98E0-184F-BE58-AAC1B0BBC7F7}" dt="2023-03-15T23:50:57.910" v="50"/>
-          <ac:spMkLst>
-            <pc:docMk/>
-            <pc:sldMk cId="3479510512" sldId="260"/>
-            <ac:spMk id="3" creationId="{BA6AE402-228E-D5DE-3923-833A9CCA3A4A}"/>
-          </ac:spMkLst>
-        </pc:spChg>
-        <pc:picChg chg="add mod">
-          <ac:chgData name="Tony Tao" userId="0fa6232b-86bb-4197-acae-ee2889051794" providerId="ADAL" clId="{F19D4270-98E0-184F-BE58-AAC1B0BBC7F7}" dt="2023-03-15T23:53:21.569" v="131" actId="1076"/>
-          <ac:picMkLst>
-            <pc:docMk/>
-            <pc:sldMk cId="3479510512" sldId="260"/>
-            <ac:picMk id="5" creationId="{5CFE2120-3B1F-4808-3586-EAF6F2406815}"/>
-          </ac:picMkLst>
-        </pc:picChg>
-      </pc:sldChg>
-      <pc:sldChg chg="addSp delSp modSp new mod">
-        <pc:chgData name="Tony Tao" userId="0fa6232b-86bb-4197-acae-ee2889051794" providerId="ADAL" clId="{F19D4270-98E0-184F-BE58-AAC1B0BBC7F7}" dt="2023-03-15T23:59:28.227" v="184" actId="20577"/>
-        <pc:sldMkLst>
-          <pc:docMk/>
-          <pc:sldMk cId="1607832581" sldId="261"/>
-        </pc:sldMkLst>
-        <pc:spChg chg="del">
-          <ac:chgData name="Tony Tao" userId="0fa6232b-86bb-4197-acae-ee2889051794" providerId="ADAL" clId="{F19D4270-98E0-184F-BE58-AAC1B0BBC7F7}" dt="2023-03-15T23:58:51.221" v="173" actId="478"/>
-          <ac:spMkLst>
-            <pc:docMk/>
-            <pc:sldMk cId="1607832581" sldId="261"/>
-            <ac:spMk id="2" creationId="{F1B6DF53-F9AD-0EDF-233D-BD2A60155494}"/>
-          </ac:spMkLst>
-        </pc:spChg>
-        <pc:spChg chg="del">
-          <ac:chgData name="Tony Tao" userId="0fa6232b-86bb-4197-acae-ee2889051794" providerId="ADAL" clId="{F19D4270-98E0-184F-BE58-AAC1B0BBC7F7}" dt="2023-03-15T23:54:34.710" v="143"/>
-          <ac:spMkLst>
-            <pc:docMk/>
-            <pc:sldMk cId="1607832581" sldId="261"/>
-            <ac:spMk id="3" creationId="{15C28EC5-1519-AD39-6125-94653B4DE740}"/>
-          </ac:spMkLst>
-        </pc:spChg>
-        <pc:spChg chg="add mod">
-          <ac:chgData name="Tony Tao" userId="0fa6232b-86bb-4197-acae-ee2889051794" providerId="ADAL" clId="{F19D4270-98E0-184F-BE58-AAC1B0BBC7F7}" dt="2023-03-15T23:59:28.227" v="184" actId="20577"/>
-          <ac:spMkLst>
-            <pc:docMk/>
-            <pc:sldMk cId="1607832581" sldId="261"/>
-            <ac:spMk id="6" creationId="{91603135-B31B-13EB-F2C8-177ADE736DD1}"/>
-          </ac:spMkLst>
-        </pc:spChg>
-        <pc:picChg chg="add mod">
-          <ac:chgData name="Tony Tao" userId="0fa6232b-86bb-4197-acae-ee2889051794" providerId="ADAL" clId="{F19D4270-98E0-184F-BE58-AAC1B0BBC7F7}" dt="2023-03-15T23:59:01.856" v="177" actId="1076"/>
-          <ac:picMkLst>
-            <pc:docMk/>
-            <pc:sldMk cId="1607832581" sldId="261"/>
-            <ac:picMk id="5" creationId="{E05F5E18-4979-52C0-DE80-78471EEBB053}"/>
-          </ac:picMkLst>
-        </pc:picChg>
-      </pc:sldChg>
-      <pc:sldChg chg="addSp delSp modSp new mod">
-        <pc:chgData name="Tony Tao" userId="0fa6232b-86bb-4197-acae-ee2889051794" providerId="ADAL" clId="{F19D4270-98E0-184F-BE58-AAC1B0BBC7F7}" dt="2023-03-16T03:59:37.252" v="348" actId="1076"/>
-        <pc:sldMkLst>
-          <pc:docMk/>
-          <pc:sldMk cId="2858637730" sldId="262"/>
-        </pc:sldMkLst>
-        <pc:spChg chg="mod">
-          <ac:chgData name="Tony Tao" userId="0fa6232b-86bb-4197-acae-ee2889051794" providerId="ADAL" clId="{F19D4270-98E0-184F-BE58-AAC1B0BBC7F7}" dt="2023-03-16T00:05:10.386" v="341" actId="1076"/>
-          <ac:spMkLst>
-            <pc:docMk/>
-            <pc:sldMk cId="2858637730" sldId="262"/>
-            <ac:spMk id="2" creationId="{6274085E-DE00-9BD2-CB46-C0780DF35E88}"/>
-          </ac:spMkLst>
-        </pc:spChg>
-        <pc:spChg chg="del">
-          <ac:chgData name="Tony Tao" userId="0fa6232b-86bb-4197-acae-ee2889051794" providerId="ADAL" clId="{F19D4270-98E0-184F-BE58-AAC1B0BBC7F7}" dt="2023-03-16T00:00:27.344" v="191"/>
-          <ac:spMkLst>
-            <pc:docMk/>
-            <pc:sldMk cId="2858637730" sldId="262"/>
-            <ac:spMk id="3" creationId="{25E4E823-8C97-6986-0C24-4105B2D77C8B}"/>
-          </ac:spMkLst>
-        </pc:spChg>
-        <pc:picChg chg="add mod">
-          <ac:chgData name="Tony Tao" userId="0fa6232b-86bb-4197-acae-ee2889051794" providerId="ADAL" clId="{F19D4270-98E0-184F-BE58-AAC1B0BBC7F7}" dt="2023-03-16T03:59:37.252" v="348" actId="1076"/>
-          <ac:picMkLst>
-            <pc:docMk/>
-            <pc:sldMk cId="2858637730" sldId="262"/>
-            <ac:picMk id="5" creationId="{2426B730-71D3-D953-E25E-D47FFE7652F5}"/>
-          </ac:picMkLst>
-        </pc:picChg>
-        <pc:picChg chg="add mod">
-          <ac:chgData name="Tony Tao" userId="0fa6232b-86bb-4197-acae-ee2889051794" providerId="ADAL" clId="{F19D4270-98E0-184F-BE58-AAC1B0BBC7F7}" dt="2023-03-16T00:05:00.743" v="338" actId="1076"/>
-          <ac:picMkLst>
-            <pc:docMk/>
-            <pc:sldMk cId="2858637730" sldId="262"/>
-            <ac:picMk id="7" creationId="{1A96F8BA-F1F4-F549-FCCF-E44243DA1101}"/>
-          </ac:picMkLst>
-        </pc:picChg>
-      </pc:sldChg>
-      <pc:sldChg chg="addSp delSp modSp new mod">
-        <pc:chgData name="Tony Tao" userId="0fa6232b-86bb-4197-acae-ee2889051794" providerId="ADAL" clId="{F19D4270-98E0-184F-BE58-AAC1B0BBC7F7}" dt="2023-03-16T00:03:49.370" v="302" actId="1076"/>
-        <pc:sldMkLst>
-          <pc:docMk/>
-          <pc:sldMk cId="137133186" sldId="263"/>
-        </pc:sldMkLst>
-        <pc:spChg chg="del">
-          <ac:chgData name="Tony Tao" userId="0fa6232b-86bb-4197-acae-ee2889051794" providerId="ADAL" clId="{F19D4270-98E0-184F-BE58-AAC1B0BBC7F7}" dt="2023-03-16T00:02:49.716" v="270" actId="478"/>
-          <ac:spMkLst>
-            <pc:docMk/>
-            <pc:sldMk cId="137133186" sldId="263"/>
-            <ac:spMk id="2" creationId="{38F46965-842B-9C8F-952E-EAA81C13476B}"/>
-          </ac:spMkLst>
-        </pc:spChg>
-        <pc:spChg chg="del">
-          <ac:chgData name="Tony Tao" userId="0fa6232b-86bb-4197-acae-ee2889051794" providerId="ADAL" clId="{F19D4270-98E0-184F-BE58-AAC1B0BBC7F7}" dt="2023-03-16T00:00:36.408" v="198"/>
-          <ac:spMkLst>
-            <pc:docMk/>
-            <pc:sldMk cId="137133186" sldId="263"/>
-            <ac:spMk id="3" creationId="{934B2AF6-7108-902F-929B-FA8257E1DF85}"/>
-          </ac:spMkLst>
-        </pc:spChg>
-        <pc:spChg chg="add mod">
-          <ac:chgData name="Tony Tao" userId="0fa6232b-86bb-4197-acae-ee2889051794" providerId="ADAL" clId="{F19D4270-98E0-184F-BE58-AAC1B0BBC7F7}" dt="2023-03-16T00:03:49.370" v="302" actId="1076"/>
-          <ac:spMkLst>
-            <pc:docMk/>
-            <pc:sldMk cId="137133186" sldId="263"/>
-            <ac:spMk id="8" creationId="{EE4B1CD3-D04D-0680-902B-3BBDC139058A}"/>
-          </ac:spMkLst>
-        </pc:spChg>
-        <pc:picChg chg="add mod">
-          <ac:chgData name="Tony Tao" userId="0fa6232b-86bb-4197-acae-ee2889051794" providerId="ADAL" clId="{F19D4270-98E0-184F-BE58-AAC1B0BBC7F7}" dt="2023-03-16T00:03:26.303" v="282" actId="1076"/>
-          <ac:picMkLst>
-            <pc:docMk/>
-            <pc:sldMk cId="137133186" sldId="263"/>
-            <ac:picMk id="5" creationId="{91791660-0F2C-B50B-5AA5-FE1FB4EC7206}"/>
-          </ac:picMkLst>
-        </pc:picChg>
-        <pc:picChg chg="add mod">
-          <ac:chgData name="Tony Tao" userId="0fa6232b-86bb-4197-acae-ee2889051794" providerId="ADAL" clId="{F19D4270-98E0-184F-BE58-AAC1B0BBC7F7}" dt="2023-03-16T00:03:24.922" v="281" actId="1076"/>
-          <ac:picMkLst>
-            <pc:docMk/>
-            <pc:sldMk cId="137133186" sldId="263"/>
-            <ac:picMk id="7" creationId="{6157F3BD-9CFE-8346-B80B-60123CB9ED62}"/>
-          </ac:picMkLst>
-        </pc:picChg>
-      </pc:sldChg>
-      <pc:sldChg chg="addSp delSp modSp new mod">
-        <pc:chgData name="Tony Tao" userId="0fa6232b-86bb-4197-acae-ee2889051794" providerId="ADAL" clId="{F19D4270-98E0-184F-BE58-AAC1B0BBC7F7}" dt="2023-03-16T00:04:38.641" v="331" actId="1076"/>
-        <pc:sldMkLst>
-          <pc:docMk/>
-          <pc:sldMk cId="418970771" sldId="264"/>
-        </pc:sldMkLst>
-        <pc:spChg chg="mod">
-          <ac:chgData name="Tony Tao" userId="0fa6232b-86bb-4197-acae-ee2889051794" providerId="ADAL" clId="{F19D4270-98E0-184F-BE58-AAC1B0BBC7F7}" dt="2023-03-16T00:04:28.395" v="329" actId="1076"/>
-          <ac:spMkLst>
-            <pc:docMk/>
-            <pc:sldMk cId="418970771" sldId="264"/>
-            <ac:spMk id="2" creationId="{123FF52E-8FE1-1750-4F39-9DA9E64DE4D2}"/>
-          </ac:spMkLst>
-        </pc:spChg>
-        <pc:spChg chg="del">
-          <ac:chgData name="Tony Tao" userId="0fa6232b-86bb-4197-acae-ee2889051794" providerId="ADAL" clId="{F19D4270-98E0-184F-BE58-AAC1B0BBC7F7}" dt="2023-03-16T00:00:46.068" v="205"/>
-          <ac:spMkLst>
-            <pc:docMk/>
-            <pc:sldMk cId="418970771" sldId="264"/>
-            <ac:spMk id="3" creationId="{9B5933DB-E7C2-032B-97E3-9232E46B797D}"/>
-          </ac:spMkLst>
-        </pc:spChg>
-        <pc:picChg chg="add mod">
-          <ac:chgData name="Tony Tao" userId="0fa6232b-86bb-4197-acae-ee2889051794" providerId="ADAL" clId="{F19D4270-98E0-184F-BE58-AAC1B0BBC7F7}" dt="2023-03-16T00:04:38.641" v="331" actId="1076"/>
-          <ac:picMkLst>
-            <pc:docMk/>
-            <pc:sldMk cId="418970771" sldId="264"/>
-            <ac:picMk id="5" creationId="{873D2C45-3431-56E8-25CF-63A4645CB002}"/>
-          </ac:picMkLst>
-        </pc:picChg>
-        <pc:picChg chg="add mod">
-          <ac:chgData name="Tony Tao" userId="0fa6232b-86bb-4197-acae-ee2889051794" providerId="ADAL" clId="{F19D4270-98E0-184F-BE58-AAC1B0BBC7F7}" dt="2023-03-16T00:04:37.230" v="330" actId="1076"/>
-          <ac:picMkLst>
-            <pc:docMk/>
-            <pc:sldMk cId="418970771" sldId="264"/>
-            <ac:picMk id="7" creationId="{22F8DAD8-3BF8-E3BD-8DEE-11AE427A4E94}"/>
-          </ac:picMkLst>
-        </pc:picChg>
-      </pc:sldChg>
-      <pc:sldChg chg="addCm modCm">
-        <pc:chgData name="Tony Tao" userId="0fa6232b-86bb-4197-acae-ee2889051794" providerId="ADAL" clId="{F19D4270-98E0-184F-BE58-AAC1B0BBC7F7}" dt="2023-03-16T03:43:39.750" v="345"/>
-        <pc:sldMkLst>
-          <pc:docMk/>
-          <pc:sldMk cId="2314869672" sldId="267"/>
-        </pc:sldMkLst>
-        <pc:extLst>
-          <p:ext xmlns:p="http://schemas.openxmlformats.org/presentationml/2006/main" uri="{D6D511B9-2390-475A-947B-AFAB55BFBCF1}">
-            <pc226:cmChg xmlns:pc226="http://schemas.microsoft.com/office/powerpoint/2022/06/main/command" chg="add">
-              <pc226:chgData name="Tony Tao" userId="0fa6232b-86bb-4197-acae-ee2889051794" providerId="ADAL" clId="{F19D4270-98E0-184F-BE58-AAC1B0BBC7F7}" dt="2023-03-16T03:43:39.750" v="345"/>
-              <pc2:cmMkLst xmlns:pc2="http://schemas.microsoft.com/office/powerpoint/2019/9/main/command">
-                <pc:docMk/>
-                <pc:sldMk cId="2314869672" sldId="267"/>
-                <pc2:cmMk id="{11B37D05-2981-5044-8C67-13D13D7B4A38}"/>
-              </pc2:cmMkLst>
-              <pc226:cmRplyChg chg="add">
-                <pc226:chgData name="Tony Tao" userId="0fa6232b-86bb-4197-acae-ee2889051794" providerId="ADAL" clId="{F19D4270-98E0-184F-BE58-AAC1B0BBC7F7}" dt="2023-03-16T03:43:07.819" v="344"/>
-                <pc2:cmRplyMkLst xmlns:pc2="http://schemas.microsoft.com/office/powerpoint/2019/9/main/command">
-                  <pc:docMk/>
-                  <pc:sldMk cId="2314869672" sldId="267"/>
-                  <pc2:cmMk id="{11B37D05-2981-5044-8C67-13D13D7B4A38}"/>
-                  <pc2:cmRplyMk id="{709E8D10-C10C-E44E-AB1D-94BD9A58246E}"/>
-                </pc2:cmRplyMkLst>
-              </pc226:cmRplyChg>
-              <pc226:cmRplyChg chg="add">
-                <pc226:chgData name="Tony Tao" userId="0fa6232b-86bb-4197-acae-ee2889051794" providerId="ADAL" clId="{F19D4270-98E0-184F-BE58-AAC1B0BBC7F7}" dt="2023-03-16T03:35:28.071" v="343"/>
-                <pc2:cmRplyMkLst xmlns:pc2="http://schemas.microsoft.com/office/powerpoint/2019/9/main/command">
-                  <pc:docMk/>
-                  <pc:sldMk cId="2314869672" sldId="267"/>
-                  <pc2:cmMk id="{11B37D05-2981-5044-8C67-13D13D7B4A38}"/>
-                  <pc2:cmRplyMk id="{4ABBCB5B-15A4-B646-AE9C-1D03CE73DEA0}"/>
-                </pc2:cmRplyMkLst>
-              </pc226:cmRplyChg>
-              <pc226:cmRplyChg chg="add">
-                <pc226:chgData name="Tony Tao" userId="0fa6232b-86bb-4197-acae-ee2889051794" providerId="ADAL" clId="{F19D4270-98E0-184F-BE58-AAC1B0BBC7F7}" dt="2023-03-16T03:43:39.750" v="345"/>
-                <pc2:cmRplyMkLst xmlns:pc2="http://schemas.microsoft.com/office/powerpoint/2019/9/main/command">
-                  <pc:docMk/>
-                  <pc:sldMk cId="2314869672" sldId="267"/>
-                  <pc2:cmMk id="{11B37D05-2981-5044-8C67-13D13D7B4A38}"/>
-                  <pc2:cmRplyMk id="{BDB0EECE-E14D-A845-99AF-B93DE6049152}"/>
-                </pc2:cmRplyMkLst>
-              </pc226:cmRplyChg>
-            </pc226:cmChg>
-          </p:ext>
-        </pc:extLst>
-      </pc:sldChg>
-      <pc:sldChg chg="new del">
-        <pc:chgData name="Tony Tao" userId="0fa6232b-86bb-4197-acae-ee2889051794" providerId="ADAL" clId="{F19D4270-98E0-184F-BE58-AAC1B0BBC7F7}" dt="2023-03-16T04:06:54.116" v="359" actId="680"/>
-        <pc:sldMkLst>
-          <pc:docMk/>
-          <pc:sldMk cId="2038676458" sldId="272"/>
-        </pc:sldMkLst>
-      </pc:sldChg>
-    </pc:docChg>
-  </pc:docChgLst>
   <pc:docChgLst>
     <pc:chgData name="Elan Guo" userId="3ba01983-1233-4a7c-ba23-b066d193090a" providerId="ADAL" clId="{EFE3592B-9646-D847-88C1-BCB5C3675698}"/>
     <pc:docChg chg="addSld delSld modSld">
@@ -1317,6 +908,488 @@
       </pc:sldChg>
     </pc:docChg>
   </pc:docChgLst>
+  <pc:docChgLst>
+    <pc:chgData name="YT L" userId="342d890652bcf34e" providerId="LiveId" clId="{DACE32D3-78AF-427E-9975-616F14980093}"/>
+    <pc:docChg chg="undo redo custSel modSld">
+      <pc:chgData name="YT L" userId="342d890652bcf34e" providerId="LiveId" clId="{DACE32D3-78AF-427E-9975-616F14980093}" dt="2023-03-16T07:39:28.461" v="21"/>
+      <pc:docMkLst>
+        <pc:docMk/>
+      </pc:docMkLst>
+      <pc:sldChg chg="modNotesTx">
+        <pc:chgData name="YT L" userId="342d890652bcf34e" providerId="LiveId" clId="{DACE32D3-78AF-427E-9975-616F14980093}" dt="2023-03-16T07:39:15.591" v="20"/>
+        <pc:sldMkLst>
+          <pc:docMk/>
+          <pc:sldMk cId="2252252152" sldId="266"/>
+        </pc:sldMkLst>
+      </pc:sldChg>
+      <pc:sldChg chg="modSp mod modNotesTx">
+        <pc:chgData name="YT L" userId="342d890652bcf34e" providerId="LiveId" clId="{DACE32D3-78AF-427E-9975-616F14980093}" dt="2023-03-16T07:39:03.395" v="19"/>
+        <pc:sldMkLst>
+          <pc:docMk/>
+          <pc:sldMk cId="173423628" sldId="269"/>
+        </pc:sldMkLst>
+        <pc:spChg chg="mod">
+          <ac:chgData name="YT L" userId="342d890652bcf34e" providerId="LiveId" clId="{DACE32D3-78AF-427E-9975-616F14980093}" dt="2023-03-16T07:37:54.110" v="10"/>
+          <ac:spMkLst>
+            <pc:docMk/>
+            <pc:sldMk cId="173423628" sldId="269"/>
+            <ac:spMk id="13" creationId="{35A71716-55EE-3991-73EE-162F4FE34469}"/>
+          </ac:spMkLst>
+        </pc:spChg>
+      </pc:sldChg>
+      <pc:sldChg chg="modNotesTx">
+        <pc:chgData name="YT L" userId="342d890652bcf34e" providerId="LiveId" clId="{DACE32D3-78AF-427E-9975-616F14980093}" dt="2023-03-16T07:39:28.461" v="21"/>
+        <pc:sldMkLst>
+          <pc:docMk/>
+          <pc:sldMk cId="1412127026" sldId="271"/>
+        </pc:sldMkLst>
+      </pc:sldChg>
+      <pc:sldChg chg="addSp delSp modSp mod">
+        <pc:chgData name="YT L" userId="342d890652bcf34e" providerId="LiveId" clId="{DACE32D3-78AF-427E-9975-616F14980093}" dt="2023-03-16T07:38:37.967" v="18"/>
+        <pc:sldMkLst>
+          <pc:docMk/>
+          <pc:sldMk cId="3000543769" sldId="272"/>
+        </pc:sldMkLst>
+        <pc:spChg chg="mod">
+          <ac:chgData name="YT L" userId="342d890652bcf34e" providerId="LiveId" clId="{DACE32D3-78AF-427E-9975-616F14980093}" dt="2023-03-16T07:38:21.415" v="16" actId="14100"/>
+          <ac:spMkLst>
+            <pc:docMk/>
+            <pc:sldMk cId="3000543769" sldId="272"/>
+            <ac:spMk id="4" creationId="{73D36179-189D-1740-946A-62ADCF3B2D56}"/>
+          </ac:spMkLst>
+        </pc:spChg>
+        <pc:picChg chg="add mod">
+          <ac:chgData name="YT L" userId="342d890652bcf34e" providerId="LiveId" clId="{DACE32D3-78AF-427E-9975-616F14980093}" dt="2023-03-16T07:38:37.967" v="18"/>
+          <ac:picMkLst>
+            <pc:docMk/>
+            <pc:sldMk cId="3000543769" sldId="272"/>
+            <ac:picMk id="2" creationId="{A0483B02-BBFE-632D-BBAE-BA9AC2F5AC98}"/>
+          </ac:picMkLst>
+        </pc:picChg>
+        <pc:picChg chg="del">
+          <ac:chgData name="YT L" userId="342d890652bcf34e" providerId="LiveId" clId="{DACE32D3-78AF-427E-9975-616F14980093}" dt="2023-03-16T07:38:37.593" v="17" actId="478"/>
+          <ac:picMkLst>
+            <pc:docMk/>
+            <pc:sldMk cId="3000543769" sldId="272"/>
+            <ac:picMk id="12" creationId="{F3CB6A70-E5E3-7B72-266B-5A4FF5FAA77A}"/>
+          </ac:picMkLst>
+        </pc:picChg>
+      </pc:sldChg>
+    </pc:docChg>
+  </pc:docChgLst>
+  <pc:docChgLst>
+    <pc:chgData name="Tony Tao" userId="0fa6232b-86bb-4197-acae-ee2889051794" providerId="ADAL" clId="{F19D4270-98E0-184F-BE58-AAC1B0BBC7F7}"/>
+    <pc:docChg chg="undo custSel addSld delSld modSld sldOrd">
+      <pc:chgData name="Tony Tao" userId="0fa6232b-86bb-4197-acae-ee2889051794" providerId="ADAL" clId="{F19D4270-98E0-184F-BE58-AAC1B0BBC7F7}" dt="2023-03-16T04:06:54.116" v="359" actId="680"/>
+      <pc:docMkLst>
+        <pc:docMk/>
+      </pc:docMkLst>
+      <pc:sldChg chg="modSp mod">
+        <pc:chgData name="Tony Tao" userId="0fa6232b-86bb-4197-acae-ee2889051794" providerId="ADAL" clId="{F19D4270-98E0-184F-BE58-AAC1B0BBC7F7}" dt="2023-03-07T21:50:54.605" v="47"/>
+        <pc:sldMkLst>
+          <pc:docMk/>
+          <pc:sldMk cId="1160606934" sldId="256"/>
+        </pc:sldMkLst>
+        <pc:spChg chg="mod">
+          <ac:chgData name="Tony Tao" userId="0fa6232b-86bb-4197-acae-ee2889051794" providerId="ADAL" clId="{F19D4270-98E0-184F-BE58-AAC1B0BBC7F7}" dt="2023-03-07T21:50:54.605" v="47"/>
+          <ac:spMkLst>
+            <pc:docMk/>
+            <pc:sldMk cId="1160606934" sldId="256"/>
+            <ac:spMk id="2" creationId="{E6255193-CBFD-383F-18ED-6B9D0FEA951A}"/>
+          </ac:spMkLst>
+        </pc:spChg>
+        <pc:spChg chg="mod">
+          <ac:chgData name="Tony Tao" userId="0fa6232b-86bb-4197-acae-ee2889051794" providerId="ADAL" clId="{F19D4270-98E0-184F-BE58-AAC1B0BBC7F7}" dt="2023-03-07T21:50:54.605" v="47"/>
+          <ac:spMkLst>
+            <pc:docMk/>
+            <pc:sldMk cId="1160606934" sldId="256"/>
+            <ac:spMk id="3" creationId="{DCA64520-4CD5-C248-C6AF-D40F03A9A6DD}"/>
+          </ac:spMkLst>
+        </pc:spChg>
+      </pc:sldChg>
+      <pc:sldChg chg="addSp delSp modSp new mod ord">
+        <pc:chgData name="Tony Tao" userId="0fa6232b-86bb-4197-acae-ee2889051794" providerId="ADAL" clId="{F19D4270-98E0-184F-BE58-AAC1B0BBC7F7}" dt="2023-03-16T04:03:51.161" v="353" actId="20577"/>
+        <pc:sldMkLst>
+          <pc:docMk/>
+          <pc:sldMk cId="1858174200" sldId="257"/>
+        </pc:sldMkLst>
+        <pc:spChg chg="del mod">
+          <ac:chgData name="Tony Tao" userId="0fa6232b-86bb-4197-acae-ee2889051794" providerId="ADAL" clId="{F19D4270-98E0-184F-BE58-AAC1B0BBC7F7}" dt="2023-03-15T23:52:39.454" v="119" actId="478"/>
+          <ac:spMkLst>
+            <pc:docMk/>
+            <pc:sldMk cId="1858174200" sldId="257"/>
+            <ac:spMk id="2" creationId="{ECC315D6-D988-250F-6189-A3919A3F85F8}"/>
+          </ac:spMkLst>
+        </pc:spChg>
+        <pc:spChg chg="del mod">
+          <ac:chgData name="Tony Tao" userId="0fa6232b-86bb-4197-acae-ee2889051794" providerId="ADAL" clId="{F19D4270-98E0-184F-BE58-AAC1B0BBC7F7}" dt="2023-03-15T23:52:41.877" v="120"/>
+          <ac:spMkLst>
+            <pc:docMk/>
+            <pc:sldMk cId="1858174200" sldId="257"/>
+            <ac:spMk id="3" creationId="{ED090E73-B423-AA9D-092C-0CDAF1991FAE}"/>
+          </ac:spMkLst>
+        </pc:spChg>
+        <pc:spChg chg="add mod">
+          <ac:chgData name="Tony Tao" userId="0fa6232b-86bb-4197-acae-ee2889051794" providerId="ADAL" clId="{F19D4270-98E0-184F-BE58-AAC1B0BBC7F7}" dt="2023-03-16T04:03:51.161" v="353" actId="20577"/>
+          <ac:spMkLst>
+            <pc:docMk/>
+            <pc:sldMk cId="1858174200" sldId="257"/>
+            <ac:spMk id="4" creationId="{9B25993A-80D8-788E-7B2C-017D1D572261}"/>
+          </ac:spMkLst>
+        </pc:spChg>
+        <pc:spChg chg="add del mod">
+          <ac:chgData name="Tony Tao" userId="0fa6232b-86bb-4197-acae-ee2889051794" providerId="ADAL" clId="{F19D4270-98E0-184F-BE58-AAC1B0BBC7F7}" dt="2023-03-15T23:58:34.223" v="161"/>
+          <ac:spMkLst>
+            <pc:docMk/>
+            <pc:sldMk cId="1858174200" sldId="257"/>
+            <ac:spMk id="8" creationId="{498A203B-5AC8-3373-4B28-C0D0B9DAB7EB}"/>
+          </ac:spMkLst>
+        </pc:spChg>
+        <pc:picChg chg="add del mod">
+          <ac:chgData name="Tony Tao" userId="0fa6232b-86bb-4197-acae-ee2889051794" providerId="ADAL" clId="{F19D4270-98E0-184F-BE58-AAC1B0BBC7F7}" dt="2023-03-15T23:55:46.296" v="160" actId="478"/>
+          <ac:picMkLst>
+            <pc:docMk/>
+            <pc:sldMk cId="1858174200" sldId="257"/>
+            <ac:picMk id="6" creationId="{EC0C6405-EF1F-BC2F-4001-6BABFBC85EBD}"/>
+          </ac:picMkLst>
+        </pc:picChg>
+        <pc:picChg chg="add mod">
+          <ac:chgData name="Tony Tao" userId="0fa6232b-86bb-4197-acae-ee2889051794" providerId="ADAL" clId="{F19D4270-98E0-184F-BE58-AAC1B0BBC7F7}" dt="2023-03-15T23:59:46.579" v="188" actId="1076"/>
+          <ac:picMkLst>
+            <pc:docMk/>
+            <pc:sldMk cId="1858174200" sldId="257"/>
+            <ac:picMk id="10" creationId="{934857FB-226C-7EDE-A940-FC6F76E2C59E}"/>
+          </ac:picMkLst>
+        </pc:picChg>
+      </pc:sldChg>
+      <pc:sldChg chg="addSp delSp modSp mod">
+        <pc:chgData name="Tony Tao" userId="0fa6232b-86bb-4197-acae-ee2889051794" providerId="ADAL" clId="{F19D4270-98E0-184F-BE58-AAC1B0BBC7F7}" dt="2023-03-16T04:03:54.671" v="357" actId="20577"/>
+        <pc:sldMkLst>
+          <pc:docMk/>
+          <pc:sldMk cId="1812169274" sldId="258"/>
+        </pc:sldMkLst>
+        <pc:spChg chg="del mod">
+          <ac:chgData name="Tony Tao" userId="0fa6232b-86bb-4197-acae-ee2889051794" providerId="ADAL" clId="{F19D4270-98E0-184F-BE58-AAC1B0BBC7F7}" dt="2023-03-15T23:54:50.001" v="151" actId="478"/>
+          <ac:spMkLst>
+            <pc:docMk/>
+            <pc:sldMk cId="1812169274" sldId="258"/>
+            <ac:spMk id="2" creationId="{642E09C4-373B-4533-224C-26A9632AA268}"/>
+          </ac:spMkLst>
+        </pc:spChg>
+        <pc:spChg chg="del mod">
+          <ac:chgData name="Tony Tao" userId="0fa6232b-86bb-4197-acae-ee2889051794" providerId="ADAL" clId="{F19D4270-98E0-184F-BE58-AAC1B0BBC7F7}" dt="2023-03-15T23:54:16.048" v="137"/>
+          <ac:spMkLst>
+            <pc:docMk/>
+            <pc:sldMk cId="1812169274" sldId="258"/>
+            <ac:spMk id="3" creationId="{5A990A6B-AC88-378B-F1D4-4BFCC9BA66B2}"/>
+          </ac:spMkLst>
+        </pc:spChg>
+        <pc:spChg chg="add mod">
+          <ac:chgData name="Tony Tao" userId="0fa6232b-86bb-4197-acae-ee2889051794" providerId="ADAL" clId="{F19D4270-98E0-184F-BE58-AAC1B0BBC7F7}" dt="2023-03-16T04:03:54.671" v="357" actId="20577"/>
+          <ac:spMkLst>
+            <pc:docMk/>
+            <pc:sldMk cId="1812169274" sldId="258"/>
+            <ac:spMk id="6" creationId="{1DED192F-A0F6-D99F-4088-56405FD6A148}"/>
+          </ac:spMkLst>
+        </pc:spChg>
+        <pc:picChg chg="add mod">
+          <ac:chgData name="Tony Tao" userId="0fa6232b-86bb-4197-acae-ee2889051794" providerId="ADAL" clId="{F19D4270-98E0-184F-BE58-AAC1B0BBC7F7}" dt="2023-03-15T23:54:59.785" v="154" actId="1076"/>
+          <ac:picMkLst>
+            <pc:docMk/>
+            <pc:sldMk cId="1812169274" sldId="258"/>
+            <ac:picMk id="5" creationId="{A91B5897-57E0-9247-991C-4EA8D69EC939}"/>
+          </ac:picMkLst>
+        </pc:picChg>
+      </pc:sldChg>
+      <pc:sldChg chg="addSp delSp modSp new mod">
+        <pc:chgData name="Tony Tao" userId="0fa6232b-86bb-4197-acae-ee2889051794" providerId="ADAL" clId="{F19D4270-98E0-184F-BE58-AAC1B0BBC7F7}" dt="2023-03-15T23:59:10.197" v="179" actId="1076"/>
+        <pc:sldMkLst>
+          <pc:docMk/>
+          <pc:sldMk cId="3946867115" sldId="259"/>
+        </pc:sldMkLst>
+        <pc:spChg chg="del">
+          <ac:chgData name="Tony Tao" userId="0fa6232b-86bb-4197-acae-ee2889051794" providerId="ADAL" clId="{F19D4270-98E0-184F-BE58-AAC1B0BBC7F7}" dt="2023-03-15T23:55:03.755" v="155" actId="478"/>
+          <ac:spMkLst>
+            <pc:docMk/>
+            <pc:sldMk cId="3946867115" sldId="259"/>
+            <ac:spMk id="2" creationId="{9D6408B1-C37B-0C60-2F4D-4B9AC6213E5F}"/>
+          </ac:spMkLst>
+        </pc:spChg>
+        <pc:spChg chg="del">
+          <ac:chgData name="Tony Tao" userId="0fa6232b-86bb-4197-acae-ee2889051794" providerId="ADAL" clId="{F19D4270-98E0-184F-BE58-AAC1B0BBC7F7}" dt="2023-03-15T23:54:20.292" v="139"/>
+          <ac:spMkLst>
+            <pc:docMk/>
+            <pc:sldMk cId="3946867115" sldId="259"/>
+            <ac:spMk id="3" creationId="{9709286D-82B9-5C09-5D19-E7B79F9F0D34}"/>
+          </ac:spMkLst>
+        </pc:spChg>
+        <pc:spChg chg="add mod">
+          <ac:chgData name="Tony Tao" userId="0fa6232b-86bb-4197-acae-ee2889051794" providerId="ADAL" clId="{F19D4270-98E0-184F-BE58-AAC1B0BBC7F7}" dt="2023-03-15T23:59:10.197" v="179" actId="1076"/>
+          <ac:spMkLst>
+            <pc:docMk/>
+            <pc:sldMk cId="3946867115" sldId="259"/>
+            <ac:spMk id="6" creationId="{AE0BB4D5-A71A-D712-8797-422FAF99FA13}"/>
+          </ac:spMkLst>
+        </pc:spChg>
+        <pc:picChg chg="add mod">
+          <ac:chgData name="Tony Tao" userId="0fa6232b-86bb-4197-acae-ee2889051794" providerId="ADAL" clId="{F19D4270-98E0-184F-BE58-AAC1B0BBC7F7}" dt="2023-03-15T23:55:17.703" v="159" actId="1076"/>
+          <ac:picMkLst>
+            <pc:docMk/>
+            <pc:sldMk cId="3946867115" sldId="259"/>
+            <ac:picMk id="5" creationId="{3799D0DA-1CE5-F401-9B5E-46308061475D}"/>
+          </ac:picMkLst>
+        </pc:picChg>
+      </pc:sldChg>
+      <pc:sldChg chg="addSp delSp modSp new mod ord">
+        <pc:chgData name="Tony Tao" userId="0fa6232b-86bb-4197-acae-ee2889051794" providerId="ADAL" clId="{F19D4270-98E0-184F-BE58-AAC1B0BBC7F7}" dt="2023-03-15T23:53:21.569" v="131" actId="1076"/>
+        <pc:sldMkLst>
+          <pc:docMk/>
+          <pc:sldMk cId="3479510512" sldId="260"/>
+        </pc:sldMkLst>
+        <pc:spChg chg="mod">
+          <ac:chgData name="Tony Tao" userId="0fa6232b-86bb-4197-acae-ee2889051794" providerId="ADAL" clId="{F19D4270-98E0-184F-BE58-AAC1B0BBC7F7}" dt="2023-03-15T23:52:29.834" v="117" actId="14100"/>
+          <ac:spMkLst>
+            <pc:docMk/>
+            <pc:sldMk cId="3479510512" sldId="260"/>
+            <ac:spMk id="2" creationId="{CC315C7F-2F7A-F076-58E0-9FC9C9C77F31}"/>
+          </ac:spMkLst>
+        </pc:spChg>
+        <pc:spChg chg="del">
+          <ac:chgData name="Tony Tao" userId="0fa6232b-86bb-4197-acae-ee2889051794" providerId="ADAL" clId="{F19D4270-98E0-184F-BE58-AAC1B0BBC7F7}" dt="2023-03-15T23:50:57.910" v="50"/>
+          <ac:spMkLst>
+            <pc:docMk/>
+            <pc:sldMk cId="3479510512" sldId="260"/>
+            <ac:spMk id="3" creationId="{BA6AE402-228E-D5DE-3923-833A9CCA3A4A}"/>
+          </ac:spMkLst>
+        </pc:spChg>
+        <pc:picChg chg="add mod">
+          <ac:chgData name="Tony Tao" userId="0fa6232b-86bb-4197-acae-ee2889051794" providerId="ADAL" clId="{F19D4270-98E0-184F-BE58-AAC1B0BBC7F7}" dt="2023-03-15T23:53:21.569" v="131" actId="1076"/>
+          <ac:picMkLst>
+            <pc:docMk/>
+            <pc:sldMk cId="3479510512" sldId="260"/>
+            <ac:picMk id="5" creationId="{5CFE2120-3B1F-4808-3586-EAF6F2406815}"/>
+          </ac:picMkLst>
+        </pc:picChg>
+      </pc:sldChg>
+      <pc:sldChg chg="addSp delSp modSp new mod">
+        <pc:chgData name="Tony Tao" userId="0fa6232b-86bb-4197-acae-ee2889051794" providerId="ADAL" clId="{F19D4270-98E0-184F-BE58-AAC1B0BBC7F7}" dt="2023-03-15T23:59:28.227" v="184" actId="20577"/>
+        <pc:sldMkLst>
+          <pc:docMk/>
+          <pc:sldMk cId="1607832581" sldId="261"/>
+        </pc:sldMkLst>
+        <pc:spChg chg="del">
+          <ac:chgData name="Tony Tao" userId="0fa6232b-86bb-4197-acae-ee2889051794" providerId="ADAL" clId="{F19D4270-98E0-184F-BE58-AAC1B0BBC7F7}" dt="2023-03-15T23:58:51.221" v="173" actId="478"/>
+          <ac:spMkLst>
+            <pc:docMk/>
+            <pc:sldMk cId="1607832581" sldId="261"/>
+            <ac:spMk id="2" creationId="{F1B6DF53-F9AD-0EDF-233D-BD2A60155494}"/>
+          </ac:spMkLst>
+        </pc:spChg>
+        <pc:spChg chg="del">
+          <ac:chgData name="Tony Tao" userId="0fa6232b-86bb-4197-acae-ee2889051794" providerId="ADAL" clId="{F19D4270-98E0-184F-BE58-AAC1B0BBC7F7}" dt="2023-03-15T23:54:34.710" v="143"/>
+          <ac:spMkLst>
+            <pc:docMk/>
+            <pc:sldMk cId="1607832581" sldId="261"/>
+            <ac:spMk id="3" creationId="{15C28EC5-1519-AD39-6125-94653B4DE740}"/>
+          </ac:spMkLst>
+        </pc:spChg>
+        <pc:spChg chg="add mod">
+          <ac:chgData name="Tony Tao" userId="0fa6232b-86bb-4197-acae-ee2889051794" providerId="ADAL" clId="{F19D4270-98E0-184F-BE58-AAC1B0BBC7F7}" dt="2023-03-15T23:59:28.227" v="184" actId="20577"/>
+          <ac:spMkLst>
+            <pc:docMk/>
+            <pc:sldMk cId="1607832581" sldId="261"/>
+            <ac:spMk id="6" creationId="{91603135-B31B-13EB-F2C8-177ADE736DD1}"/>
+          </ac:spMkLst>
+        </pc:spChg>
+        <pc:picChg chg="add mod">
+          <ac:chgData name="Tony Tao" userId="0fa6232b-86bb-4197-acae-ee2889051794" providerId="ADAL" clId="{F19D4270-98E0-184F-BE58-AAC1B0BBC7F7}" dt="2023-03-15T23:59:01.856" v="177" actId="1076"/>
+          <ac:picMkLst>
+            <pc:docMk/>
+            <pc:sldMk cId="1607832581" sldId="261"/>
+            <ac:picMk id="5" creationId="{E05F5E18-4979-52C0-DE80-78471EEBB053}"/>
+          </ac:picMkLst>
+        </pc:picChg>
+      </pc:sldChg>
+      <pc:sldChg chg="addSp delSp modSp new mod">
+        <pc:chgData name="Tony Tao" userId="0fa6232b-86bb-4197-acae-ee2889051794" providerId="ADAL" clId="{F19D4270-98E0-184F-BE58-AAC1B0BBC7F7}" dt="2023-03-16T03:59:37.252" v="348" actId="1076"/>
+        <pc:sldMkLst>
+          <pc:docMk/>
+          <pc:sldMk cId="2858637730" sldId="262"/>
+        </pc:sldMkLst>
+        <pc:spChg chg="mod">
+          <ac:chgData name="Tony Tao" userId="0fa6232b-86bb-4197-acae-ee2889051794" providerId="ADAL" clId="{F19D4270-98E0-184F-BE58-AAC1B0BBC7F7}" dt="2023-03-16T00:05:10.386" v="341" actId="1076"/>
+          <ac:spMkLst>
+            <pc:docMk/>
+            <pc:sldMk cId="2858637730" sldId="262"/>
+            <ac:spMk id="2" creationId="{6274085E-DE00-9BD2-CB46-C0780DF35E88}"/>
+          </ac:spMkLst>
+        </pc:spChg>
+        <pc:spChg chg="del">
+          <ac:chgData name="Tony Tao" userId="0fa6232b-86bb-4197-acae-ee2889051794" providerId="ADAL" clId="{F19D4270-98E0-184F-BE58-AAC1B0BBC7F7}" dt="2023-03-16T00:00:27.344" v="191"/>
+          <ac:spMkLst>
+            <pc:docMk/>
+            <pc:sldMk cId="2858637730" sldId="262"/>
+            <ac:spMk id="3" creationId="{25E4E823-8C97-6986-0C24-4105B2D77C8B}"/>
+          </ac:spMkLst>
+        </pc:spChg>
+        <pc:picChg chg="add mod">
+          <ac:chgData name="Tony Tao" userId="0fa6232b-86bb-4197-acae-ee2889051794" providerId="ADAL" clId="{F19D4270-98E0-184F-BE58-AAC1B0BBC7F7}" dt="2023-03-16T03:59:37.252" v="348" actId="1076"/>
+          <ac:picMkLst>
+            <pc:docMk/>
+            <pc:sldMk cId="2858637730" sldId="262"/>
+            <ac:picMk id="5" creationId="{2426B730-71D3-D953-E25E-D47FFE7652F5}"/>
+          </ac:picMkLst>
+        </pc:picChg>
+        <pc:picChg chg="add mod">
+          <ac:chgData name="Tony Tao" userId="0fa6232b-86bb-4197-acae-ee2889051794" providerId="ADAL" clId="{F19D4270-98E0-184F-BE58-AAC1B0BBC7F7}" dt="2023-03-16T00:05:00.743" v="338" actId="1076"/>
+          <ac:picMkLst>
+            <pc:docMk/>
+            <pc:sldMk cId="2858637730" sldId="262"/>
+            <ac:picMk id="7" creationId="{1A96F8BA-F1F4-F549-FCCF-E44243DA1101}"/>
+          </ac:picMkLst>
+        </pc:picChg>
+      </pc:sldChg>
+      <pc:sldChg chg="addSp delSp modSp new mod">
+        <pc:chgData name="Tony Tao" userId="0fa6232b-86bb-4197-acae-ee2889051794" providerId="ADAL" clId="{F19D4270-98E0-184F-BE58-AAC1B0BBC7F7}" dt="2023-03-16T00:03:49.370" v="302" actId="1076"/>
+        <pc:sldMkLst>
+          <pc:docMk/>
+          <pc:sldMk cId="137133186" sldId="263"/>
+        </pc:sldMkLst>
+        <pc:spChg chg="del">
+          <ac:chgData name="Tony Tao" userId="0fa6232b-86bb-4197-acae-ee2889051794" providerId="ADAL" clId="{F19D4270-98E0-184F-BE58-AAC1B0BBC7F7}" dt="2023-03-16T00:02:49.716" v="270" actId="478"/>
+          <ac:spMkLst>
+            <pc:docMk/>
+            <pc:sldMk cId="137133186" sldId="263"/>
+            <ac:spMk id="2" creationId="{38F46965-842B-9C8F-952E-EAA81C13476B}"/>
+          </ac:spMkLst>
+        </pc:spChg>
+        <pc:spChg chg="del">
+          <ac:chgData name="Tony Tao" userId="0fa6232b-86bb-4197-acae-ee2889051794" providerId="ADAL" clId="{F19D4270-98E0-184F-BE58-AAC1B0BBC7F7}" dt="2023-03-16T00:00:36.408" v="198"/>
+          <ac:spMkLst>
+            <pc:docMk/>
+            <pc:sldMk cId="137133186" sldId="263"/>
+            <ac:spMk id="3" creationId="{934B2AF6-7108-902F-929B-FA8257E1DF85}"/>
+          </ac:spMkLst>
+        </pc:spChg>
+        <pc:spChg chg="add mod">
+          <ac:chgData name="Tony Tao" userId="0fa6232b-86bb-4197-acae-ee2889051794" providerId="ADAL" clId="{F19D4270-98E0-184F-BE58-AAC1B0BBC7F7}" dt="2023-03-16T00:03:49.370" v="302" actId="1076"/>
+          <ac:spMkLst>
+            <pc:docMk/>
+            <pc:sldMk cId="137133186" sldId="263"/>
+            <ac:spMk id="8" creationId="{EE4B1CD3-D04D-0680-902B-3BBDC139058A}"/>
+          </ac:spMkLst>
+        </pc:spChg>
+        <pc:picChg chg="add mod">
+          <ac:chgData name="Tony Tao" userId="0fa6232b-86bb-4197-acae-ee2889051794" providerId="ADAL" clId="{F19D4270-98E0-184F-BE58-AAC1B0BBC7F7}" dt="2023-03-16T00:03:26.303" v="282" actId="1076"/>
+          <ac:picMkLst>
+            <pc:docMk/>
+            <pc:sldMk cId="137133186" sldId="263"/>
+            <ac:picMk id="5" creationId="{91791660-0F2C-B50B-5AA5-FE1FB4EC7206}"/>
+          </ac:picMkLst>
+        </pc:picChg>
+        <pc:picChg chg="add mod">
+          <ac:chgData name="Tony Tao" userId="0fa6232b-86bb-4197-acae-ee2889051794" providerId="ADAL" clId="{F19D4270-98E0-184F-BE58-AAC1B0BBC7F7}" dt="2023-03-16T00:03:24.922" v="281" actId="1076"/>
+          <ac:picMkLst>
+            <pc:docMk/>
+            <pc:sldMk cId="137133186" sldId="263"/>
+            <ac:picMk id="7" creationId="{6157F3BD-9CFE-8346-B80B-60123CB9ED62}"/>
+          </ac:picMkLst>
+        </pc:picChg>
+      </pc:sldChg>
+      <pc:sldChg chg="addSp delSp modSp new mod">
+        <pc:chgData name="Tony Tao" userId="0fa6232b-86bb-4197-acae-ee2889051794" providerId="ADAL" clId="{F19D4270-98E0-184F-BE58-AAC1B0BBC7F7}" dt="2023-03-16T00:04:38.641" v="331" actId="1076"/>
+        <pc:sldMkLst>
+          <pc:docMk/>
+          <pc:sldMk cId="418970771" sldId="264"/>
+        </pc:sldMkLst>
+        <pc:spChg chg="mod">
+          <ac:chgData name="Tony Tao" userId="0fa6232b-86bb-4197-acae-ee2889051794" providerId="ADAL" clId="{F19D4270-98E0-184F-BE58-AAC1B0BBC7F7}" dt="2023-03-16T00:04:28.395" v="329" actId="1076"/>
+          <ac:spMkLst>
+            <pc:docMk/>
+            <pc:sldMk cId="418970771" sldId="264"/>
+            <ac:spMk id="2" creationId="{123FF52E-8FE1-1750-4F39-9DA9E64DE4D2}"/>
+          </ac:spMkLst>
+        </pc:spChg>
+        <pc:spChg chg="del">
+          <ac:chgData name="Tony Tao" userId="0fa6232b-86bb-4197-acae-ee2889051794" providerId="ADAL" clId="{F19D4270-98E0-184F-BE58-AAC1B0BBC7F7}" dt="2023-03-16T00:00:46.068" v="205"/>
+          <ac:spMkLst>
+            <pc:docMk/>
+            <pc:sldMk cId="418970771" sldId="264"/>
+            <ac:spMk id="3" creationId="{9B5933DB-E7C2-032B-97E3-9232E46B797D}"/>
+          </ac:spMkLst>
+        </pc:spChg>
+        <pc:picChg chg="add mod">
+          <ac:chgData name="Tony Tao" userId="0fa6232b-86bb-4197-acae-ee2889051794" providerId="ADAL" clId="{F19D4270-98E0-184F-BE58-AAC1B0BBC7F7}" dt="2023-03-16T00:04:38.641" v="331" actId="1076"/>
+          <ac:picMkLst>
+            <pc:docMk/>
+            <pc:sldMk cId="418970771" sldId="264"/>
+            <ac:picMk id="5" creationId="{873D2C45-3431-56E8-25CF-63A4645CB002}"/>
+          </ac:picMkLst>
+        </pc:picChg>
+        <pc:picChg chg="add mod">
+          <ac:chgData name="Tony Tao" userId="0fa6232b-86bb-4197-acae-ee2889051794" providerId="ADAL" clId="{F19D4270-98E0-184F-BE58-AAC1B0BBC7F7}" dt="2023-03-16T00:04:37.230" v="330" actId="1076"/>
+          <ac:picMkLst>
+            <pc:docMk/>
+            <pc:sldMk cId="418970771" sldId="264"/>
+            <ac:picMk id="7" creationId="{22F8DAD8-3BF8-E3BD-8DEE-11AE427A4E94}"/>
+          </ac:picMkLst>
+        </pc:picChg>
+      </pc:sldChg>
+      <pc:sldChg chg="addCm modCm">
+        <pc:chgData name="Tony Tao" userId="0fa6232b-86bb-4197-acae-ee2889051794" providerId="ADAL" clId="{F19D4270-98E0-184F-BE58-AAC1B0BBC7F7}" dt="2023-03-16T03:43:39.750" v="345"/>
+        <pc:sldMkLst>
+          <pc:docMk/>
+          <pc:sldMk cId="2314869672" sldId="267"/>
+        </pc:sldMkLst>
+        <pc:extLst>
+          <p:ext xmlns:p="http://schemas.openxmlformats.org/presentationml/2006/main" uri="{D6D511B9-2390-475A-947B-AFAB55BFBCF1}">
+            <pc226:cmChg xmlns:pc226="http://schemas.microsoft.com/office/powerpoint/2022/06/main/command" chg="add">
+              <pc226:chgData name="Tony Tao" userId="0fa6232b-86bb-4197-acae-ee2889051794" providerId="ADAL" clId="{F19D4270-98E0-184F-BE58-AAC1B0BBC7F7}" dt="2023-03-16T03:43:39.750" v="345"/>
+              <pc2:cmMkLst xmlns:pc2="http://schemas.microsoft.com/office/powerpoint/2019/9/main/command">
+                <pc:docMk/>
+                <pc:sldMk cId="2314869672" sldId="267"/>
+                <pc2:cmMk id="{11B37D05-2981-5044-8C67-13D13D7B4A38}"/>
+              </pc2:cmMkLst>
+              <pc226:cmRplyChg chg="add">
+                <pc226:chgData name="Tony Tao" userId="0fa6232b-86bb-4197-acae-ee2889051794" providerId="ADAL" clId="{F19D4270-98E0-184F-BE58-AAC1B0BBC7F7}" dt="2023-03-16T03:43:07.819" v="344"/>
+                <pc2:cmRplyMkLst xmlns:pc2="http://schemas.microsoft.com/office/powerpoint/2019/9/main/command">
+                  <pc:docMk/>
+                  <pc:sldMk cId="2314869672" sldId="267"/>
+                  <pc2:cmMk id="{11B37D05-2981-5044-8C67-13D13D7B4A38}"/>
+                  <pc2:cmRplyMk id="{709E8D10-C10C-E44E-AB1D-94BD9A58246E}"/>
+                </pc2:cmRplyMkLst>
+              </pc226:cmRplyChg>
+              <pc226:cmRplyChg chg="add">
+                <pc226:chgData name="Tony Tao" userId="0fa6232b-86bb-4197-acae-ee2889051794" providerId="ADAL" clId="{F19D4270-98E0-184F-BE58-AAC1B0BBC7F7}" dt="2023-03-16T03:35:28.071" v="343"/>
+                <pc2:cmRplyMkLst xmlns:pc2="http://schemas.microsoft.com/office/powerpoint/2019/9/main/command">
+                  <pc:docMk/>
+                  <pc:sldMk cId="2314869672" sldId="267"/>
+                  <pc2:cmMk id="{11B37D05-2981-5044-8C67-13D13D7B4A38}"/>
+                  <pc2:cmRplyMk id="{4ABBCB5B-15A4-B646-AE9C-1D03CE73DEA0}"/>
+                </pc2:cmRplyMkLst>
+              </pc226:cmRplyChg>
+              <pc226:cmRplyChg chg="add">
+                <pc226:chgData name="Tony Tao" userId="0fa6232b-86bb-4197-acae-ee2889051794" providerId="ADAL" clId="{F19D4270-98E0-184F-BE58-AAC1B0BBC7F7}" dt="2023-03-16T03:43:39.750" v="345"/>
+                <pc2:cmRplyMkLst xmlns:pc2="http://schemas.microsoft.com/office/powerpoint/2019/9/main/command">
+                  <pc:docMk/>
+                  <pc:sldMk cId="2314869672" sldId="267"/>
+                  <pc2:cmMk id="{11B37D05-2981-5044-8C67-13D13D7B4A38}"/>
+                  <pc2:cmRplyMk id="{BDB0EECE-E14D-A845-99AF-B93DE6049152}"/>
+                </pc2:cmRplyMkLst>
+              </pc226:cmRplyChg>
+            </pc226:cmChg>
+          </p:ext>
+        </pc:extLst>
+      </pc:sldChg>
+      <pc:sldChg chg="new del">
+        <pc:chgData name="Tony Tao" userId="0fa6232b-86bb-4197-acae-ee2889051794" providerId="ADAL" clId="{F19D4270-98E0-184F-BE58-AAC1B0BBC7F7}" dt="2023-03-16T04:06:54.116" v="359" actId="680"/>
+        <pc:sldMkLst>
+          <pc:docMk/>
+          <pc:sldMk cId="2038676458" sldId="272"/>
+        </pc:sldMkLst>
+      </pc:sldChg>
+    </pc:docChg>
+  </pc:docChgLst>
 </pc:chgInfo>
 </file>
 
@@ -1415,6 +1488,899 @@
     </p188:txBody>
   </p188:cm>
 </p188:cmLst>
+</file>
+
+<file path=ppt/notesMasters/notesMaster1.xml><?xml version="1.0" encoding="utf-8"?>
+<p:notesMaster xmlns:a="http://schemas.openxmlformats.org/drawingml/2006/main" xmlns:r="http://schemas.openxmlformats.org/officeDocument/2006/relationships" xmlns:p="http://schemas.openxmlformats.org/presentationml/2006/main">
+  <p:cSld>
+    <p:bg>
+      <p:bgRef idx="1001">
+        <a:schemeClr val="bg1"/>
+      </p:bgRef>
+    </p:bg>
+    <p:spTree>
+      <p:nvGrpSpPr>
+        <p:cNvPr id="1" name=""/>
+        <p:cNvGrpSpPr/>
+        <p:nvPr/>
+      </p:nvGrpSpPr>
+      <p:grpSpPr>
+        <a:xfrm>
+          <a:off x="0" y="0"/>
+          <a:ext cx="0" cy="0"/>
+          <a:chOff x="0" y="0"/>
+          <a:chExt cx="0" cy="0"/>
+        </a:xfrm>
+      </p:grpSpPr>
+      <p:sp>
+        <p:nvSpPr>
+          <p:cNvPr id="2" name="Header Placeholder 1"/>
+          <p:cNvSpPr>
+            <a:spLocks noGrp="1"/>
+          </p:cNvSpPr>
+          <p:nvPr>
+            <p:ph type="hdr" sz="quarter"/>
+          </p:nvPr>
+        </p:nvSpPr>
+        <p:spPr>
+          <a:xfrm>
+            <a:off x="0" y="0"/>
+            <a:ext cx="2971800" cy="458788"/>
+          </a:xfrm>
+          <a:prstGeom prst="rect">
+            <a:avLst/>
+          </a:prstGeom>
+        </p:spPr>
+        <p:txBody>
+          <a:bodyPr vert="horz" lIns="91440" tIns="45720" rIns="91440" bIns="45720" rtlCol="0"/>
+          <a:lstStyle>
+            <a:lvl1pPr algn="l">
+              <a:defRPr sz="1200"/>
+            </a:lvl1pPr>
+          </a:lstStyle>
+          <a:p>
+            <a:endParaRPr lang="en-US"/>
+          </a:p>
+        </p:txBody>
+      </p:sp>
+      <p:sp>
+        <p:nvSpPr>
+          <p:cNvPr id="3" name="Date Placeholder 2"/>
+          <p:cNvSpPr>
+            <a:spLocks noGrp="1"/>
+          </p:cNvSpPr>
+          <p:nvPr>
+            <p:ph type="dt" idx="1"/>
+          </p:nvPr>
+        </p:nvSpPr>
+        <p:spPr>
+          <a:xfrm>
+            <a:off x="3884613" y="0"/>
+            <a:ext cx="2971800" cy="458788"/>
+          </a:xfrm>
+          <a:prstGeom prst="rect">
+            <a:avLst/>
+          </a:prstGeom>
+        </p:spPr>
+        <p:txBody>
+          <a:bodyPr vert="horz" lIns="91440" tIns="45720" rIns="91440" bIns="45720" rtlCol="0"/>
+          <a:lstStyle>
+            <a:lvl1pPr algn="r">
+              <a:defRPr sz="1200"/>
+            </a:lvl1pPr>
+          </a:lstStyle>
+          <a:p>
+            <a:fld id="{E8095224-FE85-4840-B10D-4ED4F4660684}" type="datetimeFigureOut">
+              <a:rPr lang="en-US" smtClean="0"/>
+              <a:t>3/16/2023</a:t>
+            </a:fld>
+            <a:endParaRPr lang="en-US"/>
+          </a:p>
+        </p:txBody>
+      </p:sp>
+      <p:sp>
+        <p:nvSpPr>
+          <p:cNvPr id="4" name="Slide Image Placeholder 3"/>
+          <p:cNvSpPr>
+            <a:spLocks noGrp="1" noRot="1" noChangeAspect="1"/>
+          </p:cNvSpPr>
+          <p:nvPr>
+            <p:ph type="sldImg" idx="2"/>
+          </p:nvPr>
+        </p:nvSpPr>
+        <p:spPr>
+          <a:xfrm>
+            <a:off x="685800" y="1143000"/>
+            <a:ext cx="5486400" cy="3086100"/>
+          </a:xfrm>
+          <a:prstGeom prst="rect">
+            <a:avLst/>
+          </a:prstGeom>
+          <a:noFill/>
+          <a:ln w="12700">
+            <a:solidFill>
+              <a:prstClr val="black"/>
+            </a:solidFill>
+          </a:ln>
+        </p:spPr>
+        <p:txBody>
+          <a:bodyPr vert="horz" lIns="91440" tIns="45720" rIns="91440" bIns="45720" rtlCol="0" anchor="ctr"/>
+          <a:lstStyle/>
+          <a:p>
+            <a:endParaRPr lang="en-US"/>
+          </a:p>
+        </p:txBody>
+      </p:sp>
+      <p:sp>
+        <p:nvSpPr>
+          <p:cNvPr id="5" name="Notes Placeholder 4"/>
+          <p:cNvSpPr>
+            <a:spLocks noGrp="1"/>
+          </p:cNvSpPr>
+          <p:nvPr>
+            <p:ph type="body" sz="quarter" idx="3"/>
+          </p:nvPr>
+        </p:nvSpPr>
+        <p:spPr>
+          <a:xfrm>
+            <a:off x="685800" y="4400550"/>
+            <a:ext cx="5486400" cy="3600450"/>
+          </a:xfrm>
+          <a:prstGeom prst="rect">
+            <a:avLst/>
+          </a:prstGeom>
+        </p:spPr>
+        <p:txBody>
+          <a:bodyPr vert="horz" lIns="91440" tIns="45720" rIns="91440" bIns="45720" rtlCol="0"/>
+          <a:lstStyle/>
+          <a:p>
+            <a:pPr lvl="0"/>
+            <a:r>
+              <a:rPr lang="en-US"/>
+              <a:t>Click to edit Master text styles</a:t>
+            </a:r>
+          </a:p>
+          <a:p>
+            <a:pPr lvl="1"/>
+            <a:r>
+              <a:rPr lang="en-US"/>
+              <a:t>Second level</a:t>
+            </a:r>
+          </a:p>
+          <a:p>
+            <a:pPr lvl="2"/>
+            <a:r>
+              <a:rPr lang="en-US"/>
+              <a:t>Third level</a:t>
+            </a:r>
+          </a:p>
+          <a:p>
+            <a:pPr lvl="3"/>
+            <a:r>
+              <a:rPr lang="en-US"/>
+              <a:t>Fourth level</a:t>
+            </a:r>
+          </a:p>
+          <a:p>
+            <a:pPr lvl="4"/>
+            <a:r>
+              <a:rPr lang="en-US"/>
+              <a:t>Fifth level</a:t>
+            </a:r>
+          </a:p>
+        </p:txBody>
+      </p:sp>
+      <p:sp>
+        <p:nvSpPr>
+          <p:cNvPr id="6" name="Footer Placeholder 5"/>
+          <p:cNvSpPr>
+            <a:spLocks noGrp="1"/>
+          </p:cNvSpPr>
+          <p:nvPr>
+            <p:ph type="ftr" sz="quarter" idx="4"/>
+          </p:nvPr>
+        </p:nvSpPr>
+        <p:spPr>
+          <a:xfrm>
+            <a:off x="0" y="8685213"/>
+            <a:ext cx="2971800" cy="458787"/>
+          </a:xfrm>
+          <a:prstGeom prst="rect">
+            <a:avLst/>
+          </a:prstGeom>
+        </p:spPr>
+        <p:txBody>
+          <a:bodyPr vert="horz" lIns="91440" tIns="45720" rIns="91440" bIns="45720" rtlCol="0" anchor="b"/>
+          <a:lstStyle>
+            <a:lvl1pPr algn="l">
+              <a:defRPr sz="1200"/>
+            </a:lvl1pPr>
+          </a:lstStyle>
+          <a:p>
+            <a:endParaRPr lang="en-US"/>
+          </a:p>
+        </p:txBody>
+      </p:sp>
+      <p:sp>
+        <p:nvSpPr>
+          <p:cNvPr id="7" name="Slide Number Placeholder 6"/>
+          <p:cNvSpPr>
+            <a:spLocks noGrp="1"/>
+          </p:cNvSpPr>
+          <p:nvPr>
+            <p:ph type="sldNum" sz="quarter" idx="5"/>
+          </p:nvPr>
+        </p:nvSpPr>
+        <p:spPr>
+          <a:xfrm>
+            <a:off x="3884613" y="8685213"/>
+            <a:ext cx="2971800" cy="458787"/>
+          </a:xfrm>
+          <a:prstGeom prst="rect">
+            <a:avLst/>
+          </a:prstGeom>
+        </p:spPr>
+        <p:txBody>
+          <a:bodyPr vert="horz" lIns="91440" tIns="45720" rIns="91440" bIns="45720" rtlCol="0" anchor="b"/>
+          <a:lstStyle>
+            <a:lvl1pPr algn="r">
+              <a:defRPr sz="1200"/>
+            </a:lvl1pPr>
+          </a:lstStyle>
+          <a:p>
+            <a:fld id="{00FE5281-6835-4C86-AB73-07A3F3990079}" type="slidenum">
+              <a:rPr lang="en-US" smtClean="0"/>
+              <a:t>‹#›</a:t>
+            </a:fld>
+            <a:endParaRPr lang="en-US"/>
+          </a:p>
+        </p:txBody>
+      </p:sp>
+    </p:spTree>
+    <p:extLst>
+      <p:ext uri="{BB962C8B-B14F-4D97-AF65-F5344CB8AC3E}">
+        <p14:creationId xmlns:p14="http://schemas.microsoft.com/office/powerpoint/2010/main" val="3748675940"/>
+      </p:ext>
+    </p:extLst>
+  </p:cSld>
+  <p:clrMap bg1="lt1" tx1="dk1" bg2="lt2" tx2="dk2" accent1="accent1" accent2="accent2" accent3="accent3" accent4="accent4" accent5="accent5" accent6="accent6" hlink="hlink" folHlink="folHlink"/>
+  <p:notesStyle>
+    <a:lvl1pPr marL="0" algn="l" defTabSz="914400" rtl="0" eaLnBrk="1" latinLnBrk="0" hangingPunct="1">
+      <a:defRPr sz="1200" kern="1200">
+        <a:solidFill>
+          <a:schemeClr val="tx1"/>
+        </a:solidFill>
+        <a:latin typeface="+mn-lt"/>
+        <a:ea typeface="+mn-ea"/>
+        <a:cs typeface="+mn-cs"/>
+      </a:defRPr>
+    </a:lvl1pPr>
+    <a:lvl2pPr marL="457200" algn="l" defTabSz="914400" rtl="0" eaLnBrk="1" latinLnBrk="0" hangingPunct="1">
+      <a:defRPr sz="1200" kern="1200">
+        <a:solidFill>
+          <a:schemeClr val="tx1"/>
+        </a:solidFill>
+        <a:latin typeface="+mn-lt"/>
+        <a:ea typeface="+mn-ea"/>
+        <a:cs typeface="+mn-cs"/>
+      </a:defRPr>
+    </a:lvl2pPr>
+    <a:lvl3pPr marL="914400" algn="l" defTabSz="914400" rtl="0" eaLnBrk="1" latinLnBrk="0" hangingPunct="1">
+      <a:defRPr sz="1200" kern="1200">
+        <a:solidFill>
+          <a:schemeClr val="tx1"/>
+        </a:solidFill>
+        <a:latin typeface="+mn-lt"/>
+        <a:ea typeface="+mn-ea"/>
+        <a:cs typeface="+mn-cs"/>
+      </a:defRPr>
+    </a:lvl3pPr>
+    <a:lvl4pPr marL="1371600" algn="l" defTabSz="914400" rtl="0" eaLnBrk="1" latinLnBrk="0" hangingPunct="1">
+      <a:defRPr sz="1200" kern="1200">
+        <a:solidFill>
+          <a:schemeClr val="tx1"/>
+        </a:solidFill>
+        <a:latin typeface="+mn-lt"/>
+        <a:ea typeface="+mn-ea"/>
+        <a:cs typeface="+mn-cs"/>
+      </a:defRPr>
+    </a:lvl4pPr>
+    <a:lvl5pPr marL="1828800" algn="l" defTabSz="914400" rtl="0" eaLnBrk="1" latinLnBrk="0" hangingPunct="1">
+      <a:defRPr sz="1200" kern="1200">
+        <a:solidFill>
+          <a:schemeClr val="tx1"/>
+        </a:solidFill>
+        <a:latin typeface="+mn-lt"/>
+        <a:ea typeface="+mn-ea"/>
+        <a:cs typeface="+mn-cs"/>
+      </a:defRPr>
+    </a:lvl5pPr>
+    <a:lvl6pPr marL="2286000" algn="l" defTabSz="914400" rtl="0" eaLnBrk="1" latinLnBrk="0" hangingPunct="1">
+      <a:defRPr sz="1200" kern="1200">
+        <a:solidFill>
+          <a:schemeClr val="tx1"/>
+        </a:solidFill>
+        <a:latin typeface="+mn-lt"/>
+        <a:ea typeface="+mn-ea"/>
+        <a:cs typeface="+mn-cs"/>
+      </a:defRPr>
+    </a:lvl6pPr>
+    <a:lvl7pPr marL="2743200" algn="l" defTabSz="914400" rtl="0" eaLnBrk="1" latinLnBrk="0" hangingPunct="1">
+      <a:defRPr sz="1200" kern="1200">
+        <a:solidFill>
+          <a:schemeClr val="tx1"/>
+        </a:solidFill>
+        <a:latin typeface="+mn-lt"/>
+        <a:ea typeface="+mn-ea"/>
+        <a:cs typeface="+mn-cs"/>
+      </a:defRPr>
+    </a:lvl7pPr>
+    <a:lvl8pPr marL="3200400" algn="l" defTabSz="914400" rtl="0" eaLnBrk="1" latinLnBrk="0" hangingPunct="1">
+      <a:defRPr sz="1200" kern="1200">
+        <a:solidFill>
+          <a:schemeClr val="tx1"/>
+        </a:solidFill>
+        <a:latin typeface="+mn-lt"/>
+        <a:ea typeface="+mn-ea"/>
+        <a:cs typeface="+mn-cs"/>
+      </a:defRPr>
+    </a:lvl8pPr>
+    <a:lvl9pPr marL="3657600" algn="l" defTabSz="914400" rtl="0" eaLnBrk="1" latinLnBrk="0" hangingPunct="1">
+      <a:defRPr sz="1200" kern="1200">
+        <a:solidFill>
+          <a:schemeClr val="tx1"/>
+        </a:solidFill>
+        <a:latin typeface="+mn-lt"/>
+        <a:ea typeface="+mn-ea"/>
+        <a:cs typeface="+mn-cs"/>
+      </a:defRPr>
+    </a:lvl9pPr>
+  </p:notesStyle>
+</p:notesMaster>
+</file>
+
+<file path=ppt/notesSlides/notesSlide1.xml><?xml version="1.0" encoding="utf-8"?>
+<p:notes xmlns:a="http://schemas.openxmlformats.org/drawingml/2006/main" xmlns:r="http://schemas.openxmlformats.org/officeDocument/2006/relationships" xmlns:p="http://schemas.openxmlformats.org/presentationml/2006/main">
+  <p:cSld>
+    <p:spTree>
+      <p:nvGrpSpPr>
+        <p:cNvPr id="1" name=""/>
+        <p:cNvGrpSpPr/>
+        <p:nvPr/>
+      </p:nvGrpSpPr>
+      <p:grpSpPr>
+        <a:xfrm>
+          <a:off x="0" y="0"/>
+          <a:ext cx="0" cy="0"/>
+          <a:chOff x="0" y="0"/>
+          <a:chExt cx="0" cy="0"/>
+        </a:xfrm>
+      </p:grpSpPr>
+      <p:sp>
+        <p:nvSpPr>
+          <p:cNvPr id="2" name="Slide Image Placeholder 1"/>
+          <p:cNvSpPr>
+            <a:spLocks noGrp="1" noRot="1" noChangeAspect="1"/>
+          </p:cNvSpPr>
+          <p:nvPr>
+            <p:ph type="sldImg"/>
+          </p:nvPr>
+        </p:nvSpPr>
+        <p:spPr/>
+      </p:sp>
+      <p:sp>
+        <p:nvSpPr>
+          <p:cNvPr id="3" name="Notes Placeholder 2"/>
+          <p:cNvSpPr>
+            <a:spLocks noGrp="1"/>
+          </p:cNvSpPr>
+          <p:nvPr>
+            <p:ph type="body" idx="1"/>
+          </p:nvPr>
+        </p:nvSpPr>
+        <p:spPr/>
+        <p:txBody>
+          <a:bodyPr/>
+          <a:lstStyle/>
+          <a:p>
+            <a:pPr marL="0" marR="0" lvl="0" indent="0" algn="l" defTabSz="914400" rtl="0" eaLnBrk="1" fontAlgn="auto" latinLnBrk="0" hangingPunct="1">
+              <a:lnSpc>
+                <a:spcPct val="100000"/>
+              </a:lnSpc>
+              <a:spcBef>
+                <a:spcPts val="0"/>
+              </a:spcBef>
+              <a:spcAft>
+                <a:spcPts val="0"/>
+              </a:spcAft>
+              <a:buClrTx/>
+              <a:buSzTx/>
+              <a:buFontTx/>
+              <a:buNone/>
+              <a:tabLst/>
+              <a:defRPr/>
+            </a:pPr>
+            <a:r>
+              <a:rPr lang="en-US" b="0" i="0" dirty="0">
+                <a:solidFill>
+                  <a:srgbClr val="374151"/>
+                </a:solidFill>
+                <a:effectLst/>
+                <a:latin typeface="Söhne"/>
+              </a:rPr>
+              <a:t>Under normal circumstances, when the glucose levels in your bloodstream rise, such as after a meal, your pancreas secretes insulin which prompts your body to absorb the excess glucose until the levels return to normal. </a:t>
+            </a:r>
+            <a:r>
+              <a:rPr lang="en-US" b="0" i="0" dirty="0">
+                <a:solidFill>
+                  <a:srgbClr val="343541"/>
+                </a:solidFill>
+                <a:effectLst/>
+                <a:latin typeface="Söhne"/>
+              </a:rPr>
+              <a:t>But if you have diabetes</a:t>
+            </a:r>
+            <a:r>
+              <a:rPr lang="en-US" b="0" i="0" dirty="0">
+                <a:solidFill>
+                  <a:srgbClr val="374151"/>
+                </a:solidFill>
+                <a:effectLst/>
+                <a:latin typeface="Söhne"/>
+              </a:rPr>
+              <a:t>, like type 1 diabetes, the pancreas either doesn't produce insulin, or like type 2 diabetes, the body fails to respond to insulin effectively. </a:t>
+            </a:r>
+            <a:r>
+              <a:rPr lang="en-US" b="0" i="0" dirty="0">
+                <a:solidFill>
+                  <a:srgbClr val="444444"/>
+                </a:solidFill>
+                <a:effectLst/>
+                <a:latin typeface="Source Sans Pro" panose="020B0503030403020204" pitchFamily="34" charset="0"/>
+              </a:rPr>
+              <a:t>Then that can leave your blood sugar too high for too long. Over time, this </a:t>
+            </a:r>
+            <a:r>
+              <a:rPr lang="en-US" b="0" i="0" dirty="0">
+                <a:solidFill>
+                  <a:srgbClr val="374151"/>
+                </a:solidFill>
+                <a:effectLst/>
+                <a:latin typeface="Söhne"/>
+              </a:rPr>
+              <a:t>can cause damage to blood vessels and nerves, and may lead to the development of heart disease and other complications over time.</a:t>
+            </a:r>
+            <a:endParaRPr lang="en-US" dirty="0"/>
+          </a:p>
+          <a:p>
+            <a:endParaRPr lang="en-US" dirty="0"/>
+          </a:p>
+        </p:txBody>
+      </p:sp>
+      <p:sp>
+        <p:nvSpPr>
+          <p:cNvPr id="4" name="Slide Number Placeholder 3"/>
+          <p:cNvSpPr>
+            <a:spLocks noGrp="1"/>
+          </p:cNvSpPr>
+          <p:nvPr>
+            <p:ph type="sldNum" sz="quarter" idx="5"/>
+          </p:nvPr>
+        </p:nvSpPr>
+        <p:spPr/>
+        <p:txBody>
+          <a:bodyPr/>
+          <a:lstStyle/>
+          <a:p>
+            <a:fld id="{00FE5281-6835-4C86-AB73-07A3F3990079}" type="slidenum">
+              <a:rPr lang="en-US" smtClean="0"/>
+              <a:t>12</a:t>
+            </a:fld>
+            <a:endParaRPr lang="en-US"/>
+          </a:p>
+        </p:txBody>
+      </p:sp>
+    </p:spTree>
+    <p:extLst>
+      <p:ext uri="{BB962C8B-B14F-4D97-AF65-F5344CB8AC3E}">
+        <p14:creationId xmlns:p14="http://schemas.microsoft.com/office/powerpoint/2010/main" val="2062541838"/>
+      </p:ext>
+    </p:extLst>
+  </p:cSld>
+  <p:clrMapOvr>
+    <a:masterClrMapping/>
+  </p:clrMapOvr>
+</p:notes>
+</file>
+
+<file path=ppt/notesSlides/notesSlide2.xml><?xml version="1.0" encoding="utf-8"?>
+<p:notes xmlns:a="http://schemas.openxmlformats.org/drawingml/2006/main" xmlns:r="http://schemas.openxmlformats.org/officeDocument/2006/relationships" xmlns:p="http://schemas.openxmlformats.org/presentationml/2006/main">
+  <p:cSld>
+    <p:spTree>
+      <p:nvGrpSpPr>
+        <p:cNvPr id="1" name=""/>
+        <p:cNvGrpSpPr/>
+        <p:nvPr/>
+      </p:nvGrpSpPr>
+      <p:grpSpPr>
+        <a:xfrm>
+          <a:off x="0" y="0"/>
+          <a:ext cx="0" cy="0"/>
+          <a:chOff x="0" y="0"/>
+          <a:chExt cx="0" cy="0"/>
+        </a:xfrm>
+      </p:grpSpPr>
+      <p:sp>
+        <p:nvSpPr>
+          <p:cNvPr id="2" name="Slide Image Placeholder 1"/>
+          <p:cNvSpPr>
+            <a:spLocks noGrp="1" noRot="1" noChangeAspect="1"/>
+          </p:cNvSpPr>
+          <p:nvPr>
+            <p:ph type="sldImg"/>
+          </p:nvPr>
+        </p:nvSpPr>
+        <p:spPr/>
+      </p:sp>
+      <p:sp>
+        <p:nvSpPr>
+          <p:cNvPr id="3" name="Notes Placeholder 2"/>
+          <p:cNvSpPr>
+            <a:spLocks noGrp="1"/>
+          </p:cNvSpPr>
+          <p:nvPr>
+            <p:ph type="body" idx="1"/>
+          </p:nvPr>
+        </p:nvSpPr>
+        <p:spPr/>
+        <p:txBody>
+          <a:bodyPr/>
+          <a:lstStyle/>
+          <a:p>
+            <a:r>
+              <a:rPr lang="en-US" b="0" i="0" u="none" dirty="0">
+                <a:solidFill>
+                  <a:schemeClr val="tx1"/>
+                </a:solidFill>
+                <a:effectLst/>
+                <a:latin typeface="+mn-lt"/>
+              </a:rPr>
+              <a:t>4 categories: age&lt;=19~"teenager",         for age between 20 &amp; 40~"adult",         for age between &gt;=40 &amp;&lt;60~"mid aged",        for age between &gt;=60 &amp; &lt;80~"senior",         age&gt;=80~"super senior"</a:t>
+            </a:r>
+          </a:p>
+          <a:p>
+            <a:r>
+              <a:rPr lang="en-US" b="0" i="0" u="none" dirty="0">
+                <a:solidFill>
+                  <a:schemeClr val="tx1"/>
+                </a:solidFill>
+                <a:effectLst/>
+                <a:latin typeface="+mn-lt"/>
+              </a:rPr>
+              <a:t>Older adults are at high risk for the development of diabetes due to the combination of increasing insulin resistance and impaired pancreatic function with aging, these impairments can highly ruin the process of glucose absorption.</a:t>
+            </a:r>
+          </a:p>
+          <a:p>
+            <a:r>
+              <a:rPr lang="en-US" b="0" i="0" u="none" dirty="0">
+                <a:solidFill>
+                  <a:schemeClr val="tx1"/>
+                </a:solidFill>
+                <a:effectLst/>
+                <a:latin typeface="+mn-lt"/>
+              </a:rPr>
+              <a:t>At this age, multiple medical conditions occur, including </a:t>
+            </a:r>
+            <a:r>
+              <a:rPr lang="en-US" b="0" i="0" u="none" strike="noStrike" dirty="0">
+                <a:solidFill>
+                  <a:schemeClr val="tx1"/>
+                </a:solidFill>
+                <a:effectLst/>
+                <a:latin typeface="+mn-lt"/>
+                <a:hlinkClick r:id="rId3">
+                  <a:extLst>
+                    <a:ext uri="{A12FA001-AC4F-418D-AE19-62706E023703}">
+                      <ahyp:hlinkClr xmlns:ahyp="http://schemas.microsoft.com/office/drawing/2018/hyperlinkcolor" val="tx"/>
+                    </a:ext>
+                  </a:extLst>
+                </a:hlinkClick>
+              </a:rPr>
+              <a:t>high blood pressure</a:t>
+            </a:r>
+            <a:r>
+              <a:rPr lang="en-US" b="0" i="0" u="none" dirty="0">
+                <a:solidFill>
+                  <a:schemeClr val="tx1"/>
+                </a:solidFill>
+                <a:effectLst/>
+                <a:latin typeface="+mn-lt"/>
+              </a:rPr>
+              <a:t> and </a:t>
+            </a:r>
+            <a:r>
+              <a:rPr lang="en-US" b="0" i="0" u="none" strike="noStrike" dirty="0">
+                <a:solidFill>
+                  <a:schemeClr val="tx1"/>
+                </a:solidFill>
+                <a:effectLst/>
+                <a:latin typeface="+mn-lt"/>
+                <a:hlinkClick r:id="rId4">
+                  <a:extLst>
+                    <a:ext uri="{A12FA001-AC4F-418D-AE19-62706E023703}">
+                      <ahyp:hlinkClr xmlns:ahyp="http://schemas.microsoft.com/office/drawing/2018/hyperlinkcolor" val="tx"/>
+                    </a:ext>
+                  </a:extLst>
+                </a:hlinkClick>
+              </a:rPr>
+              <a:t>high cholesterol</a:t>
+            </a:r>
+            <a:r>
+              <a:rPr lang="en-US" b="0" i="0" u="none" dirty="0">
+                <a:solidFill>
+                  <a:schemeClr val="tx1"/>
+                </a:solidFill>
+                <a:effectLst/>
+                <a:latin typeface="+mn-lt"/>
+              </a:rPr>
+              <a:t>. That can make it harder for people to keep their diabetes under control.</a:t>
+            </a:r>
+          </a:p>
+          <a:p>
+            <a:endParaRPr lang="en-US" dirty="0"/>
+          </a:p>
+        </p:txBody>
+      </p:sp>
+      <p:sp>
+        <p:nvSpPr>
+          <p:cNvPr id="4" name="Slide Number Placeholder 3"/>
+          <p:cNvSpPr>
+            <a:spLocks noGrp="1"/>
+          </p:cNvSpPr>
+          <p:nvPr>
+            <p:ph type="sldNum" sz="quarter" idx="5"/>
+          </p:nvPr>
+        </p:nvSpPr>
+        <p:spPr/>
+        <p:txBody>
+          <a:bodyPr/>
+          <a:lstStyle/>
+          <a:p>
+            <a:fld id="{00FE5281-6835-4C86-AB73-07A3F3990079}" type="slidenum">
+              <a:rPr lang="en-US" smtClean="0"/>
+              <a:t>13</a:t>
+            </a:fld>
+            <a:endParaRPr lang="en-US"/>
+          </a:p>
+        </p:txBody>
+      </p:sp>
+    </p:spTree>
+    <p:extLst>
+      <p:ext uri="{BB962C8B-B14F-4D97-AF65-F5344CB8AC3E}">
+        <p14:creationId xmlns:p14="http://schemas.microsoft.com/office/powerpoint/2010/main" val="511628404"/>
+      </p:ext>
+    </p:extLst>
+  </p:cSld>
+  <p:clrMapOvr>
+    <a:masterClrMapping/>
+  </p:clrMapOvr>
+</p:notes>
+</file>
+
+<file path=ppt/notesSlides/notesSlide3.xml><?xml version="1.0" encoding="utf-8"?>
+<p:notes xmlns:a="http://schemas.openxmlformats.org/drawingml/2006/main" xmlns:r="http://schemas.openxmlformats.org/officeDocument/2006/relationships" xmlns:p="http://schemas.openxmlformats.org/presentationml/2006/main">
+  <p:cSld>
+    <p:spTree>
+      <p:nvGrpSpPr>
+        <p:cNvPr id="1" name=""/>
+        <p:cNvGrpSpPr/>
+        <p:nvPr/>
+      </p:nvGrpSpPr>
+      <p:grpSpPr>
+        <a:xfrm>
+          <a:off x="0" y="0"/>
+          <a:ext cx="0" cy="0"/>
+          <a:chOff x="0" y="0"/>
+          <a:chExt cx="0" cy="0"/>
+        </a:xfrm>
+      </p:grpSpPr>
+      <p:sp>
+        <p:nvSpPr>
+          <p:cNvPr id="2" name="Slide Image Placeholder 1"/>
+          <p:cNvSpPr>
+            <a:spLocks noGrp="1" noRot="1" noChangeAspect="1"/>
+          </p:cNvSpPr>
+          <p:nvPr>
+            <p:ph type="sldImg"/>
+          </p:nvPr>
+        </p:nvSpPr>
+        <p:spPr/>
+      </p:sp>
+      <p:sp>
+        <p:nvSpPr>
+          <p:cNvPr id="3" name="Notes Placeholder 2"/>
+          <p:cNvSpPr>
+            <a:spLocks noGrp="1"/>
+          </p:cNvSpPr>
+          <p:nvPr>
+            <p:ph type="body" idx="1"/>
+          </p:nvPr>
+        </p:nvSpPr>
+        <p:spPr/>
+        <p:txBody>
+          <a:bodyPr/>
+          <a:lstStyle/>
+          <a:p>
+            <a:pPr marL="0" marR="0" lvl="0" indent="0" algn="l" defTabSz="914400" rtl="0" eaLnBrk="1" fontAlgn="auto" latinLnBrk="0" hangingPunct="1">
+              <a:lnSpc>
+                <a:spcPct val="100000"/>
+              </a:lnSpc>
+              <a:spcBef>
+                <a:spcPts val="0"/>
+              </a:spcBef>
+              <a:spcAft>
+                <a:spcPts val="0"/>
+              </a:spcAft>
+              <a:buClrTx/>
+              <a:buSzTx/>
+              <a:buFontTx/>
+              <a:buNone/>
+              <a:tabLst/>
+              <a:defRPr/>
+            </a:pPr>
+            <a:r>
+              <a:rPr lang="en-US" dirty="0"/>
+              <a:t>Diabetes frequently leads to reducing the levels of HDL (beneficial, </a:t>
+            </a:r>
+            <a:r>
+              <a:rPr lang="en-US" b="0" i="0" dirty="0">
+                <a:solidFill>
+                  <a:srgbClr val="202124"/>
+                </a:solidFill>
+                <a:effectLst/>
+                <a:latin typeface="Roboto" panose="02000000000000000000" pitchFamily="2" charset="0"/>
+              </a:rPr>
+              <a:t>high-density lipoprotein</a:t>
+            </a:r>
+            <a:r>
+              <a:rPr lang="en-US" dirty="0"/>
+              <a:t>) cholesterol while increasing the levels of triglycerides and LDL (harmful, </a:t>
+            </a:r>
+            <a:r>
+              <a:rPr lang="en-US" b="0" i="0" dirty="0">
+                <a:solidFill>
+                  <a:srgbClr val="202124"/>
+                </a:solidFill>
+                <a:effectLst/>
+                <a:latin typeface="Roboto" panose="02000000000000000000" pitchFamily="2" charset="0"/>
+              </a:rPr>
+              <a:t>low-density lipoprotein</a:t>
+            </a:r>
+            <a:r>
+              <a:rPr lang="en-US" dirty="0"/>
+              <a:t>) cholesterol.</a:t>
+            </a:r>
+          </a:p>
+          <a:p>
+            <a:pPr marL="0" marR="0" lvl="0" indent="0" algn="l" defTabSz="914400" rtl="0" eaLnBrk="1" fontAlgn="auto" latinLnBrk="0" hangingPunct="1">
+              <a:lnSpc>
+                <a:spcPct val="100000"/>
+              </a:lnSpc>
+              <a:spcBef>
+                <a:spcPts val="0"/>
+              </a:spcBef>
+              <a:spcAft>
+                <a:spcPts val="0"/>
+              </a:spcAft>
+              <a:buClrTx/>
+              <a:buSzTx/>
+              <a:buFontTx/>
+              <a:buNone/>
+              <a:tabLst/>
+              <a:defRPr/>
+            </a:pPr>
+            <a:r>
+              <a:rPr lang="en-US" b="0" i="0" dirty="0">
+                <a:solidFill>
+                  <a:srgbClr val="202124"/>
+                </a:solidFill>
+                <a:effectLst/>
+                <a:latin typeface="Google Sans"/>
+              </a:rPr>
+              <a:t>Eventually increase the risk for heart disease and stroke.</a:t>
+            </a:r>
+            <a:endParaRPr lang="en-US" dirty="0"/>
+          </a:p>
+          <a:p>
+            <a:pPr marL="0" marR="0" lvl="0" indent="0" algn="l" defTabSz="914400" rtl="0" eaLnBrk="1" fontAlgn="auto" latinLnBrk="0" hangingPunct="1">
+              <a:lnSpc>
+                <a:spcPct val="100000"/>
+              </a:lnSpc>
+              <a:spcBef>
+                <a:spcPts val="0"/>
+              </a:spcBef>
+              <a:spcAft>
+                <a:spcPts val="0"/>
+              </a:spcAft>
+              <a:buClrTx/>
+              <a:buSzTx/>
+              <a:buFontTx/>
+              <a:buNone/>
+              <a:tabLst/>
+              <a:defRPr/>
+            </a:pPr>
+            <a:r>
+              <a:rPr lang="en-US" dirty="0" err="1"/>
+              <a:t>chol_ratio</a:t>
+            </a:r>
+            <a:r>
+              <a:rPr lang="en-US" dirty="0"/>
+              <a:t>&lt;=3.5~"Optimal",         </a:t>
+            </a:r>
+            <a:r>
+              <a:rPr lang="en-US" dirty="0" err="1"/>
+              <a:t>chol_ratio</a:t>
+            </a:r>
+            <a:r>
+              <a:rPr lang="en-US" dirty="0"/>
+              <a:t>&gt;=3.5 &amp; </a:t>
+            </a:r>
+            <a:r>
+              <a:rPr lang="en-US" dirty="0" err="1"/>
+              <a:t>chol_ratio</a:t>
+            </a:r>
+            <a:r>
+              <a:rPr lang="en-US" dirty="0"/>
+              <a:t>&lt;5~"Borderline High",	</a:t>
+            </a:r>
+            <a:r>
+              <a:rPr lang="en-US" dirty="0" err="1"/>
+              <a:t>chol_ratio</a:t>
+            </a:r>
+            <a:r>
+              <a:rPr lang="en-US" dirty="0"/>
+              <a:t>&gt;=5~"High"</a:t>
+            </a:r>
+          </a:p>
+          <a:p>
+            <a:endParaRPr lang="en-US" dirty="0"/>
+          </a:p>
+        </p:txBody>
+      </p:sp>
+      <p:sp>
+        <p:nvSpPr>
+          <p:cNvPr id="4" name="Slide Number Placeholder 3"/>
+          <p:cNvSpPr>
+            <a:spLocks noGrp="1"/>
+          </p:cNvSpPr>
+          <p:nvPr>
+            <p:ph type="sldNum" sz="quarter" idx="5"/>
+          </p:nvPr>
+        </p:nvSpPr>
+        <p:spPr/>
+        <p:txBody>
+          <a:bodyPr/>
+          <a:lstStyle/>
+          <a:p>
+            <a:fld id="{00FE5281-6835-4C86-AB73-07A3F3990079}" type="slidenum">
+              <a:rPr lang="en-US" smtClean="0"/>
+              <a:t>14</a:t>
+            </a:fld>
+            <a:endParaRPr lang="en-US"/>
+          </a:p>
+        </p:txBody>
+      </p:sp>
+    </p:spTree>
+    <p:extLst>
+      <p:ext uri="{BB962C8B-B14F-4D97-AF65-F5344CB8AC3E}">
+        <p14:creationId xmlns:p14="http://schemas.microsoft.com/office/powerpoint/2010/main" val="2869056253"/>
+      </p:ext>
+    </p:extLst>
+  </p:cSld>
+  <p:clrMapOvr>
+    <a:masterClrMapping/>
+  </p:clrMapOvr>
+</p:notes>
 </file>
 
 <file path=ppt/slideLayouts/slideLayout1.xml><?xml version="1.0" encoding="utf-8"?>
@@ -2626,7 +3592,7 @@
           <a:p>
             <a:fld id="{C3159E39-49A9-D145-8538-05831E88B64B}" type="datetimeFigureOut">
               <a:rPr lang="en-US" smtClean="0"/>
-              <a:t>3/15/23</a:t>
+              <a:t>3/16/2023</a:t>
             </a:fld>
             <a:endParaRPr lang="en-US"/>
           </a:p>
@@ -2862,7 +3828,7 @@
           <a:p>
             <a:fld id="{C3159E39-49A9-D145-8538-05831E88B64B}" type="datetimeFigureOut">
               <a:rPr lang="en-US" smtClean="0"/>
-              <a:t>3/15/23</a:t>
+              <a:t>3/16/2023</a:t>
             </a:fld>
             <a:endParaRPr lang="en-US"/>
           </a:p>
@@ -3040,7 +4006,7 @@
           <a:p>
             <a:fld id="{C3159E39-49A9-D145-8538-05831E88B64B}" type="datetimeFigureOut">
               <a:rPr lang="en-US" smtClean="0"/>
-              <a:t>3/15/23</a:t>
+              <a:t>3/16/2023</a:t>
             </a:fld>
             <a:endParaRPr lang="en-US"/>
           </a:p>
@@ -3208,7 +4174,7 @@
           <a:p>
             <a:fld id="{C3159E39-49A9-D145-8538-05831E88B64B}" type="datetimeFigureOut">
               <a:rPr lang="en-US" smtClean="0"/>
-              <a:t>3/15/23</a:t>
+              <a:t>3/16/2023</a:t>
             </a:fld>
             <a:endParaRPr lang="en-US"/>
           </a:p>
@@ -3483,7 +4449,7 @@
           <a:p>
             <a:fld id="{C3159E39-49A9-D145-8538-05831E88B64B}" type="datetimeFigureOut">
               <a:rPr lang="en-US" smtClean="0"/>
-              <a:t>3/15/23</a:t>
+              <a:t>3/16/2023</a:t>
             </a:fld>
             <a:endParaRPr lang="en-US"/>
           </a:p>
@@ -4681,7 +5647,7 @@
           <a:p>
             <a:fld id="{C3159E39-49A9-D145-8538-05831E88B64B}" type="datetimeFigureOut">
               <a:rPr lang="en-US" smtClean="0"/>
-              <a:t>3/15/23</a:t>
+              <a:t>3/16/2023</a:t>
             </a:fld>
             <a:endParaRPr lang="en-US"/>
           </a:p>
@@ -5068,7 +6034,7 @@
           <a:p>
             <a:fld id="{C3159E39-49A9-D145-8538-05831E88B64B}" type="datetimeFigureOut">
               <a:rPr lang="en-US" smtClean="0"/>
-              <a:t>3/15/23</a:t>
+              <a:t>3/16/2023</a:t>
             </a:fld>
             <a:endParaRPr lang="en-US"/>
           </a:p>
@@ -5190,7 +6156,7 @@
           <a:p>
             <a:fld id="{C3159E39-49A9-D145-8538-05831E88B64B}" type="datetimeFigureOut">
               <a:rPr lang="en-US" smtClean="0"/>
-              <a:t>3/15/23</a:t>
+              <a:t>3/16/2023</a:t>
             </a:fld>
             <a:endParaRPr lang="en-US"/>
           </a:p>
@@ -5285,7 +6251,7 @@
           <a:p>
             <a:fld id="{C3159E39-49A9-D145-8538-05831E88B64B}" type="datetimeFigureOut">
               <a:rPr lang="en-US" smtClean="0"/>
-              <a:t>3/15/23</a:t>
+              <a:t>3/16/2023</a:t>
             </a:fld>
             <a:endParaRPr lang="en-US"/>
           </a:p>
@@ -6046,7 +7012,7 @@
           <a:p>
             <a:fld id="{C3159E39-49A9-D145-8538-05831E88B64B}" type="datetimeFigureOut">
               <a:rPr lang="en-US" smtClean="0"/>
-              <a:t>3/15/23</a:t>
+              <a:t>3/16/2023</a:t>
             </a:fld>
             <a:endParaRPr lang="en-US"/>
           </a:p>
@@ -6884,7 +7850,7 @@
           <a:p>
             <a:fld id="{C3159E39-49A9-D145-8538-05831E88B64B}" type="datetimeFigureOut">
               <a:rPr lang="en-US" smtClean="0"/>
-              <a:t>3/15/23</a:t>
+              <a:t>3/16/2023</a:t>
             </a:fld>
             <a:endParaRPr lang="en-US"/>
           </a:p>
@@ -7109,7 +8075,7 @@
           <a:p>
             <a:fld id="{C3159E39-49A9-D145-8538-05831E88B64B}" type="datetimeFigureOut">
               <a:rPr lang="en-US" smtClean="0"/>
-              <a:t>3/15/23</a:t>
+              <a:t>3/16/2023</a:t>
             </a:fld>
             <a:endParaRPr lang="en-US"/>
           </a:p>
@@ -8572,7 +9538,7 @@
           <p:nvPr/>
         </p:nvPicPr>
         <p:blipFill>
-          <a:blip r:embed="rId2"/>
+          <a:blip r:embed="rId3"/>
           <a:stretch>
             <a:fillRect/>
           </a:stretch>
@@ -8663,7 +9629,7 @@
           </p:nvPr>
         </p:nvPicPr>
         <p:blipFill>
-          <a:blip r:embed="rId2"/>
+          <a:blip r:embed="rId3"/>
           <a:stretch>
             <a:fillRect/>
           </a:stretch>
@@ -8690,7 +9656,7 @@
           <p:nvPr/>
         </p:nvPicPr>
         <p:blipFill>
-          <a:blip r:embed="rId3"/>
+          <a:blip r:embed="rId4"/>
           <a:stretch>
             <a:fillRect/>
           </a:stretch>
@@ -8811,6 +9777,120 @@
           <a:bodyPr/>
           <a:lstStyle/>
           <a:p>
+            <a:pPr marL="0" marR="0" lvl="0" indent="0" algn="l" defTabSz="914400" rtl="0" eaLnBrk="1" fontAlgn="auto" latinLnBrk="0" hangingPunct="1">
+              <a:lnSpc>
+                <a:spcPct val="120000"/>
+              </a:lnSpc>
+              <a:spcBef>
+                <a:spcPts val="1200"/>
+              </a:spcBef>
+              <a:spcAft>
+                <a:spcPts val="0"/>
+              </a:spcAft>
+              <a:buClr>
+                <a:prstClr val="white"/>
+              </a:buClr>
+              <a:buSzTx/>
+              <a:buFont typeface="Arial" panose="020B0604020202020204" pitchFamily="34" charset="0"/>
+              <a:buNone/>
+              <a:tabLst/>
+              <a:defRPr/>
+            </a:pPr>
+            <a:r>
+              <a:rPr kumimoji="0" lang="en-US" sz="2000" b="0" i="0" u="none" strike="noStrike" kern="1200" cap="none" spc="0" normalizeH="0" baseline="0" noProof="0" dirty="0">
+                <a:ln>
+                  <a:noFill/>
+                </a:ln>
+                <a:solidFill>
+                  <a:srgbClr val="F3F3F2"/>
+                </a:solidFill>
+                <a:effectLst/>
+                <a:uLnTx/>
+                <a:uFillTx/>
+                <a:latin typeface="Gill Sans MT" panose="020B0502020104020203"/>
+                <a:ea typeface="+mn-ea"/>
+                <a:cs typeface="+mn-cs"/>
+              </a:rPr>
+              <a:t>Indicators of Diabetes: </a:t>
+            </a:r>
+          </a:p>
+          <a:p>
+            <a:pPr marL="285750" marR="0" lvl="0" indent="-285750" algn="l" defTabSz="914400" rtl="0" eaLnBrk="1" fontAlgn="auto" latinLnBrk="0" hangingPunct="1">
+              <a:lnSpc>
+                <a:spcPct val="120000"/>
+              </a:lnSpc>
+              <a:spcBef>
+                <a:spcPts val="1200"/>
+              </a:spcBef>
+              <a:spcAft>
+                <a:spcPts val="0"/>
+              </a:spcAft>
+              <a:buClr>
+                <a:prstClr val="white"/>
+              </a:buClr>
+              <a:buSzTx/>
+              <a:buFont typeface="Arial" panose="020B0604020202020204" pitchFamily="34" charset="0"/>
+              <a:buChar char="•"/>
+              <a:tabLst/>
+              <a:defRPr/>
+            </a:pPr>
+            <a:r>
+              <a:rPr kumimoji="0" lang="en-US" sz="2000" b="0" i="0" u="none" strike="noStrike" kern="1200" cap="none" spc="0" normalizeH="0" baseline="0" noProof="0" dirty="0">
+                <a:ln>
+                  <a:noFill/>
+                </a:ln>
+                <a:solidFill>
+                  <a:srgbClr val="F3F3F2"/>
+                </a:solidFill>
+                <a:effectLst/>
+                <a:uLnTx/>
+                <a:uFillTx/>
+                <a:latin typeface="Gill Sans MT" panose="020B0502020104020203"/>
+                <a:ea typeface="+mn-ea"/>
+                <a:cs typeface="+mn-cs"/>
+              </a:rPr>
+              <a:t>Decrease in the levels of HDL (good) cholesterol </a:t>
+            </a:r>
+          </a:p>
+          <a:p>
+            <a:pPr marL="285750" marR="0" lvl="0" indent="-285750" algn="l" defTabSz="914400" rtl="0" eaLnBrk="1" fontAlgn="auto" latinLnBrk="0" hangingPunct="1">
+              <a:lnSpc>
+                <a:spcPct val="120000"/>
+              </a:lnSpc>
+              <a:spcBef>
+                <a:spcPts val="1200"/>
+              </a:spcBef>
+              <a:spcAft>
+                <a:spcPts val="0"/>
+              </a:spcAft>
+              <a:buClr>
+                <a:prstClr val="white"/>
+              </a:buClr>
+              <a:buSzTx/>
+              <a:buFont typeface="Arial" panose="020B0604020202020204" pitchFamily="34" charset="0"/>
+              <a:buChar char="•"/>
+              <a:tabLst/>
+              <a:defRPr/>
+            </a:pPr>
+            <a:r>
+              <a:rPr kumimoji="0" lang="en-US" sz="2000" b="0" i="0" u="none" strike="noStrike" kern="1200" cap="none" spc="0" normalizeH="0" baseline="0" noProof="0" dirty="0">
+                <a:ln>
+                  <a:noFill/>
+                </a:ln>
+                <a:solidFill>
+                  <a:srgbClr val="F3F3F2"/>
+                </a:solidFill>
+                <a:effectLst/>
+                <a:uLnTx/>
+                <a:uFillTx/>
+                <a:latin typeface="Gill Sans MT" panose="020B0502020104020203"/>
+                <a:ea typeface="+mn-ea"/>
+                <a:cs typeface="+mn-cs"/>
+              </a:rPr>
+              <a:t>Increase in the levels of triglycerides and LDL (bad) cholesterol</a:t>
+            </a:r>
+          </a:p>
+          <a:p>
             <a:pPr marL="285750" indent="-285750">
               <a:buClr>
                 <a:schemeClr val="bg1"/>
@@ -8818,11 +9898,7 @@
               <a:buFont typeface="Arial" panose="020B0604020202020204" pitchFamily="34" charset="0"/>
               <a:buChar char="•"/>
             </a:pPr>
-            <a:r>
-              <a:rPr lang="en-US" err="1"/>
-              <a:t>fdhfd</a:t>
-            </a:r>
-            <a:endParaRPr lang="en-US"/>
+            <a:endParaRPr lang="en-US" dirty="0"/>
           </a:p>
         </p:txBody>
       </p:sp>
@@ -8841,7 +9917,7 @@
           <p:nvPr/>
         </p:nvPicPr>
         <p:blipFill>
-          <a:blip r:embed="rId2"/>
+          <a:blip r:embed="rId3"/>
           <a:stretch>
             <a:fillRect/>
           </a:stretch>
@@ -9065,24 +10141,62 @@
         </p:nvSpPr>
         <p:spPr>
           <a:xfrm>
-            <a:off x="8337883" y="2547257"/>
-            <a:ext cx="3353374" cy="3886199"/>
+            <a:off x="8337883" y="3429000"/>
+            <a:ext cx="3353374" cy="3004456"/>
           </a:xfrm>
         </p:spPr>
         <p:txBody>
           <a:bodyPr/>
           <a:lstStyle/>
           <a:p>
-            <a:endParaRPr lang="en-US"/>
+            <a:pPr marL="285750" marR="0" lvl="0" indent="-285750" algn="l" defTabSz="914400" rtl="0" eaLnBrk="1" fontAlgn="auto" latinLnBrk="0" hangingPunct="1">
+              <a:lnSpc>
+                <a:spcPct val="120000"/>
+              </a:lnSpc>
+              <a:spcBef>
+                <a:spcPts val="1200"/>
+              </a:spcBef>
+              <a:spcAft>
+                <a:spcPts val="0"/>
+              </a:spcAft>
+              <a:buClr>
+                <a:prstClr val="white"/>
+              </a:buClr>
+              <a:buSzTx/>
+              <a:buFont typeface="Arial" panose="020B0604020202020204" pitchFamily="34" charset="0"/>
+              <a:buChar char="•"/>
+              <a:tabLst/>
+              <a:defRPr/>
+            </a:pPr>
+            <a:r>
+              <a:rPr kumimoji="0" lang="en-US" sz="2000" b="0" i="0" u="none" strike="noStrike" kern="1200" cap="none" spc="0" normalizeH="0" baseline="0" noProof="0" dirty="0">
+                <a:ln>
+                  <a:noFill/>
+                </a:ln>
+                <a:solidFill>
+                  <a:srgbClr val="F3F3F2"/>
+                </a:solidFill>
+                <a:effectLst/>
+                <a:uLnTx/>
+                <a:uFillTx/>
+                <a:latin typeface="Gill Sans MT" panose="020B0502020104020203"/>
+                <a:ea typeface="+mn-ea"/>
+                <a:cs typeface="+mn-cs"/>
+              </a:rPr>
+              <a:t>Overall, no sex bias</a:t>
+            </a:r>
+          </a:p>
+          <a:p>
+            <a:endParaRPr lang="en-US" dirty="0"/>
           </a:p>
         </p:txBody>
       </p:sp>
       <p:pic>
         <p:nvPicPr>
-          <p:cNvPr id="12" name="Picture 11" descr="Chart&#10;&#10;Description automatically generated">
+          <p:cNvPr id="2" name="Picture 1" descr="Chart&#10;&#10;Description automatically generated">
             <a:extLst>
               <a:ext uri="{FF2B5EF4-FFF2-40B4-BE49-F238E27FC236}">
-                <a16:creationId xmlns:a16="http://schemas.microsoft.com/office/drawing/2014/main" id="{F3CB6A70-E5E3-7B72-266B-5A4FF5FAA77A}"/>
+                <a16:creationId xmlns:a16="http://schemas.microsoft.com/office/drawing/2014/main" id="{A0483B02-BBFE-632D-BBAE-BA9AC2F5AC98}"/>
               </a:ext>
             </a:extLst>
           </p:cNvPr>
@@ -10335,4 +11449,299 @@
     </a:ext>
   </a:extLst>
 </a:theme>
+</file>
+
+<file path=ppt/theme/theme2.xml><?xml version="1.0" encoding="utf-8"?>
+<a:theme xmlns:a="http://schemas.openxmlformats.org/drawingml/2006/main" name="Office Theme">
+  <a:themeElements>
+    <a:clrScheme name="Office">
+      <a:dk1>
+        <a:sysClr val="windowText" lastClr="000000"/>
+      </a:dk1>
+      <a:lt1>
+        <a:sysClr val="window" lastClr="FFFFFF"/>
+      </a:lt1>
+      <a:dk2>
+        <a:srgbClr val="44546A"/>
+      </a:dk2>
+      <a:lt2>
+        <a:srgbClr val="E7E6E6"/>
+      </a:lt2>
+      <a:accent1>
+        <a:srgbClr val="4472C4"/>
+      </a:accent1>
+      <a:accent2>
+        <a:srgbClr val="ED7D31"/>
+      </a:accent2>
+      <a:accent3>
+        <a:srgbClr val="A5A5A5"/>
+      </a:accent3>
+      <a:accent4>
+        <a:srgbClr val="FFC000"/>
+      </a:accent4>
+      <a:accent5>
+        <a:srgbClr val="5B9BD5"/>
+      </a:accent5>
+      <a:accent6>
+        <a:srgbClr val="70AD47"/>
+      </a:accent6>
+      <a:hlink>
+        <a:srgbClr val="0563C1"/>
+      </a:hlink>
+      <a:folHlink>
+        <a:srgbClr val="954F72"/>
+      </a:folHlink>
+    </a:clrScheme>
+    <a:fontScheme name="Office">
+      <a:majorFont>
+        <a:latin typeface="Calibri Light" panose="020F0302020204030204"/>
+        <a:ea typeface=""/>
+        <a:cs typeface=""/>
+        <a:font script="Jpan" typeface="游ゴシック Light"/>
+        <a:font script="Hang" typeface="맑은 고딕"/>
+        <a:font script="Hans" typeface="等线 Light"/>
+        <a:font script="Hant" typeface="新細明體"/>
+        <a:font script="Arab" typeface="Times New Roman"/>
+        <a:font script="Hebr" typeface="Times New Roman"/>
+        <a:font script="Thai" typeface="Angsana New"/>
+        <a:font script="Ethi" typeface="Nyala"/>
+        <a:font script="Beng" typeface="Vrinda"/>
+        <a:font script="Gujr" typeface="Shruti"/>
+        <a:font script="Khmr" typeface="MoolBoran"/>
+        <a:font script="Knda" typeface="Tunga"/>
+        <a:font script="Guru" typeface="Raavi"/>
+        <a:font script="Cans" typeface="Euphemia"/>
+        <a:font script="Cher" typeface="Plantagenet Cherokee"/>
+        <a:font script="Yiii" typeface="Microsoft Yi Baiti"/>
+        <a:font script="Tibt" typeface="Microsoft Himalaya"/>
+        <a:font script="Thaa" typeface="MV Boli"/>
+        <a:font script="Deva" typeface="Mangal"/>
+        <a:font script="Telu" typeface="Gautami"/>
+        <a:font script="Taml" typeface="Latha"/>
+        <a:font script="Syrc" typeface="Estrangelo Edessa"/>
+        <a:font script="Orya" typeface="Kalinga"/>
+        <a:font script="Mlym" typeface="Kartika"/>
+        <a:font script="Laoo" typeface="DokChampa"/>
+        <a:font script="Sinh" typeface="Iskoola Pota"/>
+        <a:font script="Mong" typeface="Mongolian Baiti"/>
+        <a:font script="Viet" typeface="Times New Roman"/>
+        <a:font script="Uigh" typeface="Microsoft Uighur"/>
+        <a:font script="Geor" typeface="Sylfaen"/>
+        <a:font script="Armn" typeface="Arial"/>
+        <a:font script="Bugi" typeface="Leelawadee UI"/>
+        <a:font script="Bopo" typeface="Microsoft JhengHei"/>
+        <a:font script="Java" typeface="Javanese Text"/>
+        <a:font script="Lisu" typeface="Segoe UI"/>
+        <a:font script="Mymr" typeface="Myanmar Text"/>
+        <a:font script="Nkoo" typeface="Ebrima"/>
+        <a:font script="Olck" typeface="Nirmala UI"/>
+        <a:font script="Osma" typeface="Ebrima"/>
+        <a:font script="Phag" typeface="Phagspa"/>
+        <a:font script="Syrn" typeface="Estrangelo Edessa"/>
+        <a:font script="Syrj" typeface="Estrangelo Edessa"/>
+        <a:font script="Syre" typeface="Estrangelo Edessa"/>
+        <a:font script="Sora" typeface="Nirmala UI"/>
+        <a:font script="Tale" typeface="Microsoft Tai Le"/>
+        <a:font script="Talu" typeface="Microsoft New Tai Lue"/>
+        <a:font script="Tfng" typeface="Ebrima"/>
+      </a:majorFont>
+      <a:minorFont>
+        <a:latin typeface="Calibri" panose="020F0502020204030204"/>
+        <a:ea typeface=""/>
+        <a:cs typeface=""/>
+        <a:font script="Jpan" typeface="游ゴシック"/>
+        <a:font script="Hang" typeface="맑은 고딕"/>
+        <a:font script="Hans" typeface="等线"/>
+        <a:font script="Hant" typeface="新細明體"/>
+        <a:font script="Arab" typeface="Arial"/>
+        <a:font script="Hebr" typeface="Arial"/>
+        <a:font script="Thai" typeface="Cordia New"/>
+        <a:font script="Ethi" typeface="Nyala"/>
+        <a:font script="Beng" typeface="Vrinda"/>
+        <a:font script="Gujr" typeface="Shruti"/>
+        <a:font script="Khmr" typeface="DaunPenh"/>
+        <a:font script="Knda" typeface="Tunga"/>
+        <a:font script="Guru" typeface="Raavi"/>
+        <a:font script="Cans" typeface="Euphemia"/>
+        <a:font script="Cher" typeface="Plantagenet Cherokee"/>
+        <a:font script="Yiii" typeface="Microsoft Yi Baiti"/>
+        <a:font script="Tibt" typeface="Microsoft Himalaya"/>
+        <a:font script="Thaa" typeface="MV Boli"/>
+        <a:font script="Deva" typeface="Mangal"/>
+        <a:font script="Telu" typeface="Gautami"/>
+        <a:font script="Taml" typeface="Latha"/>
+        <a:font script="Syrc" typeface="Estrangelo Edessa"/>
+        <a:font script="Orya" typeface="Kalinga"/>
+        <a:font script="Mlym" typeface="Kartika"/>
+        <a:font script="Laoo" typeface="DokChampa"/>
+        <a:font script="Sinh" typeface="Iskoola Pota"/>
+        <a:font script="Mong" typeface="Mongolian Baiti"/>
+        <a:font script="Viet" typeface="Arial"/>
+        <a:font script="Uigh" typeface="Microsoft Uighur"/>
+        <a:font script="Geor" typeface="Sylfaen"/>
+        <a:font script="Armn" typeface="Arial"/>
+        <a:font script="Bugi" typeface="Leelawadee UI"/>
+        <a:font script="Bopo" typeface="Microsoft JhengHei"/>
+        <a:font script="Java" typeface="Javanese Text"/>
+        <a:font script="Lisu" typeface="Segoe UI"/>
+        <a:font script="Mymr" typeface="Myanmar Text"/>
+        <a:font script="Nkoo" typeface="Ebrima"/>
+        <a:font script="Olck" typeface="Nirmala UI"/>
+        <a:font script="Osma" typeface="Ebrima"/>
+        <a:font script="Phag" typeface="Phagspa"/>
+        <a:font script="Syrn" typeface="Estrangelo Edessa"/>
+        <a:font script="Syrj" typeface="Estrangelo Edessa"/>
+        <a:font script="Syre" typeface="Estrangelo Edessa"/>
+        <a:font script="Sora" typeface="Nirmala UI"/>
+        <a:font script="Tale" typeface="Microsoft Tai Le"/>
+        <a:font script="Talu" typeface="Microsoft New Tai Lue"/>
+        <a:font script="Tfng" typeface="Ebrima"/>
+      </a:minorFont>
+    </a:fontScheme>
+    <a:fmtScheme name="Office">
+      <a:fillStyleLst>
+        <a:solidFill>
+          <a:schemeClr val="phClr"/>
+        </a:solidFill>
+        <a:gradFill rotWithShape="1">
+          <a:gsLst>
+            <a:gs pos="0">
+              <a:schemeClr val="phClr">
+                <a:lumMod val="110000"/>
+                <a:satMod val="105000"/>
+                <a:tint val="67000"/>
+              </a:schemeClr>
+            </a:gs>
+            <a:gs pos="50000">
+              <a:schemeClr val="phClr">
+                <a:lumMod val="105000"/>
+                <a:satMod val="103000"/>
+                <a:tint val="73000"/>
+              </a:schemeClr>
+            </a:gs>
+            <a:gs pos="100000">
+              <a:schemeClr val="phClr">
+                <a:lumMod val="105000"/>
+                <a:satMod val="109000"/>
+                <a:tint val="81000"/>
+              </a:schemeClr>
+            </a:gs>
+          </a:gsLst>
+          <a:lin ang="5400000" scaled="0"/>
+        </a:gradFill>
+        <a:gradFill rotWithShape="1">
+          <a:gsLst>
+            <a:gs pos="0">
+              <a:schemeClr val="phClr">
+                <a:satMod val="103000"/>
+                <a:lumMod val="102000"/>
+                <a:tint val="94000"/>
+              </a:schemeClr>
+            </a:gs>
+            <a:gs pos="50000">
+              <a:schemeClr val="phClr">
+                <a:satMod val="110000"/>
+                <a:lumMod val="100000"/>
+                <a:shade val="100000"/>
+              </a:schemeClr>
+            </a:gs>
+            <a:gs pos="100000">
+              <a:schemeClr val="phClr">
+                <a:lumMod val="99000"/>
+                <a:satMod val="120000"/>
+                <a:shade val="78000"/>
+              </a:schemeClr>
+            </a:gs>
+          </a:gsLst>
+          <a:lin ang="5400000" scaled="0"/>
+        </a:gradFill>
+      </a:fillStyleLst>
+      <a:lnStyleLst>
+        <a:ln w="6350" cap="flat" cmpd="sng" algn="ctr">
+          <a:solidFill>
+            <a:schemeClr val="phClr"/>
+          </a:solidFill>
+          <a:prstDash val="solid"/>
+          <a:miter lim="800000"/>
+        </a:ln>
+        <a:ln w="12700" cap="flat" cmpd="sng" algn="ctr">
+          <a:solidFill>
+            <a:schemeClr val="phClr"/>
+          </a:solidFill>
+          <a:prstDash val="solid"/>
+          <a:miter lim="800000"/>
+        </a:ln>
+        <a:ln w="19050" cap="flat" cmpd="sng" algn="ctr">
+          <a:solidFill>
+            <a:schemeClr val="phClr"/>
+          </a:solidFill>
+          <a:prstDash val="solid"/>
+          <a:miter lim="800000"/>
+        </a:ln>
+      </a:lnStyleLst>
+      <a:effectStyleLst>
+        <a:effectStyle>
+          <a:effectLst/>
+        </a:effectStyle>
+        <a:effectStyle>
+          <a:effectLst/>
+        </a:effectStyle>
+        <a:effectStyle>
+          <a:effectLst>
+            <a:outerShdw blurRad="57150" dist="19050" dir="5400000" algn="ctr" rotWithShape="0">
+              <a:srgbClr val="000000">
+                <a:alpha val="63000"/>
+              </a:srgbClr>
+            </a:outerShdw>
+          </a:effectLst>
+        </a:effectStyle>
+      </a:effectStyleLst>
+      <a:bgFillStyleLst>
+        <a:solidFill>
+          <a:schemeClr val="phClr"/>
+        </a:solidFill>
+        <a:solidFill>
+          <a:schemeClr val="phClr">
+            <a:tint val="95000"/>
+            <a:satMod val="170000"/>
+          </a:schemeClr>
+        </a:solidFill>
+        <a:gradFill rotWithShape="1">
+          <a:gsLst>
+            <a:gs pos="0">
+              <a:schemeClr val="phClr">
+                <a:tint val="93000"/>
+                <a:satMod val="150000"/>
+                <a:shade val="98000"/>
+                <a:lumMod val="102000"/>
+              </a:schemeClr>
+            </a:gs>
+            <a:gs pos="50000">
+              <a:schemeClr val="phClr">
+                <a:tint val="98000"/>
+                <a:satMod val="130000"/>
+                <a:shade val="90000"/>
+                <a:lumMod val="103000"/>
+              </a:schemeClr>
+            </a:gs>
+            <a:gs pos="100000">
+              <a:schemeClr val="phClr">
+                <a:shade val="63000"/>
+                <a:satMod val="120000"/>
+              </a:schemeClr>
+            </a:gs>
+          </a:gsLst>
+          <a:lin ang="5400000" scaled="0"/>
+        </a:gradFill>
+      </a:bgFillStyleLst>
+    </a:fmtScheme>
+  </a:themeElements>
+  <a:objectDefaults/>
+  <a:extraClrSchemeLst/>
+  <a:extLst>
+    <a:ext uri="{05A4C25C-085E-4340-85A3-A5531E510DB2}">
+      <thm15:themeFamily xmlns:thm15="http://schemas.microsoft.com/office/thememl/2012/main" name="Office Theme" id="{62F939B6-93AF-4DB8-9C6B-D6C7DFDC589F}" vid="{4A3C46E8-61CC-4603-A589-7422A47A8E4A}"/>
+    </a:ext>
+  </a:extLst>
+</a:theme>
 </file>